--- a/Ice Melting in Antartica.pptx
+++ b/Ice Melting in Antartica.pptx
@@ -11225,10 +11225,18 @@
           <a:lstStyle/>
           <a:p>
             <a:r>
-              <a:rPr lang="en-US" sz="4100"/>
-              <a:t>Ice Melting in Antartica, its impact on sea level, and the correlation to CO2 concentration and Earth’s temperature</a:t>
-            </a:r>
-            <a:endParaRPr lang="en-ID" sz="4100"/>
+              <a:rPr lang="en-US" sz="4100" dirty="0"/>
+              <a:t>Ice Melting in </a:t>
+            </a:r>
+            <a:r>
+              <a:rPr lang="en-US" sz="4100" dirty="0" err="1"/>
+              <a:t>Antartica</a:t>
+            </a:r>
+            <a:r>
+              <a:rPr lang="en-US" sz="4100" dirty="0"/>
+              <a:t>, its impact on sea level, and the correlation to CO2 concentration and Earth’s temperature</a:t>
+            </a:r>
+            <a:endParaRPr lang="en-ID" sz="4100" dirty="0"/>
           </a:p>
         </p:txBody>
       </p:sp>
@@ -16190,8 +16198,28 @@
           <a:lstStyle/>
           <a:p>
             <a:r>
-              <a:rPr lang="en-US"/>
-              <a:t>Korelasi Data menggunakan metode Pearson</a:t>
+              <a:rPr lang="en-US" dirty="0" err="1"/>
+              <a:t>Korelasi</a:t>
+            </a:r>
+            <a:r>
+              <a:rPr lang="en-US" dirty="0"/>
+              <a:t> Data </a:t>
+            </a:r>
+            <a:r>
+              <a:rPr lang="en-US" dirty="0" err="1"/>
+              <a:t>menggunakan</a:t>
+            </a:r>
+            <a:r>
+              <a:rPr lang="en-US" dirty="0"/>
+              <a:t> </a:t>
+            </a:r>
+            <a:r>
+              <a:rPr lang="en-US" dirty="0" err="1"/>
+              <a:t>metode</a:t>
+            </a:r>
+            <a:r>
+              <a:rPr lang="en-US" dirty="0"/>
+              <a:t> Pearson</a:t>
             </a:r>
             <a:endParaRPr lang="en-ID" dirty="0"/>
           </a:p>
@@ -16226,14 +16254,390 @@
           <a:lstStyle/>
           <a:p>
             <a:r>
-              <a:rPr lang="en-US"/>
-              <a:t>Menurut metode Pearsonn, data perubahan massa es dan data CO2 memiliki tingkat korelasi negative yang sangat tinggi yaitu -0.95. Hal tersebut menunjukkan bahwa semakin tinggi nilai emisi CO2 maka, semakin negative nilai perubahan massa es (semakin tinngi pencairan es)</a:t>
+              <a:rPr lang="en-US" dirty="0" err="1"/>
+              <a:t>Menurut</a:t>
+            </a:r>
+            <a:r>
+              <a:rPr lang="en-US" dirty="0"/>
+              <a:t> </a:t>
+            </a:r>
+            <a:r>
+              <a:rPr lang="en-US" dirty="0" err="1"/>
+              <a:t>metode</a:t>
+            </a:r>
+            <a:r>
+              <a:rPr lang="en-US" dirty="0"/>
+              <a:t> </a:t>
+            </a:r>
+            <a:r>
+              <a:rPr lang="en-US" dirty="0" err="1"/>
+              <a:t>Pearsonn</a:t>
+            </a:r>
+            <a:r>
+              <a:rPr lang="en-US" dirty="0"/>
+              <a:t>, data </a:t>
+            </a:r>
+            <a:r>
+              <a:rPr lang="en-US" dirty="0" err="1"/>
+              <a:t>perubahan</a:t>
+            </a:r>
+            <a:r>
+              <a:rPr lang="en-US" dirty="0"/>
+              <a:t> </a:t>
+            </a:r>
+            <a:r>
+              <a:rPr lang="en-US" dirty="0" err="1"/>
+              <a:t>massa</a:t>
+            </a:r>
+            <a:r>
+              <a:rPr lang="en-US" dirty="0"/>
+              <a:t> es dan data CO2 </a:t>
+            </a:r>
+            <a:r>
+              <a:rPr lang="en-US" dirty="0" err="1"/>
+              <a:t>memiliki</a:t>
+            </a:r>
+            <a:r>
+              <a:rPr lang="en-US" dirty="0"/>
+              <a:t> </a:t>
+            </a:r>
+            <a:r>
+              <a:rPr lang="en-US" dirty="0" err="1"/>
+              <a:t>tingkat</a:t>
+            </a:r>
+            <a:r>
+              <a:rPr lang="en-US" dirty="0"/>
+              <a:t> </a:t>
+            </a:r>
+            <a:r>
+              <a:rPr lang="en-US" dirty="0" err="1"/>
+              <a:t>korelasi</a:t>
+            </a:r>
+            <a:r>
+              <a:rPr lang="en-US" dirty="0"/>
+              <a:t> negative yang </a:t>
+            </a:r>
+            <a:r>
+              <a:rPr lang="en-US" dirty="0" err="1"/>
+              <a:t>sangat</a:t>
+            </a:r>
+            <a:r>
+              <a:rPr lang="en-US" dirty="0"/>
+              <a:t> </a:t>
+            </a:r>
+            <a:r>
+              <a:rPr lang="en-US" dirty="0" err="1"/>
+              <a:t>tinggi</a:t>
+            </a:r>
+            <a:r>
+              <a:rPr lang="en-US" dirty="0"/>
+              <a:t> </a:t>
+            </a:r>
+            <a:r>
+              <a:rPr lang="en-US" dirty="0" err="1"/>
+              <a:t>yaitu</a:t>
+            </a:r>
+            <a:r>
+              <a:rPr lang="en-US" dirty="0"/>
+              <a:t> -0.95. Hal </a:t>
+            </a:r>
+            <a:r>
+              <a:rPr lang="en-US" dirty="0" err="1"/>
+              <a:t>tersebut</a:t>
+            </a:r>
+            <a:r>
+              <a:rPr lang="en-US" dirty="0"/>
+              <a:t> </a:t>
+            </a:r>
+            <a:r>
+              <a:rPr lang="en-US" dirty="0" err="1"/>
+              <a:t>menunjukkan</a:t>
+            </a:r>
+            <a:r>
+              <a:rPr lang="en-US" dirty="0"/>
+              <a:t> </a:t>
+            </a:r>
+            <a:r>
+              <a:rPr lang="en-US" dirty="0" err="1"/>
+              <a:t>bahwa</a:t>
+            </a:r>
+            <a:r>
+              <a:rPr lang="en-US" dirty="0"/>
+              <a:t> </a:t>
+            </a:r>
+            <a:r>
+              <a:rPr lang="en-US" dirty="0" err="1"/>
+              <a:t>semakin</a:t>
+            </a:r>
+            <a:r>
+              <a:rPr lang="en-US" dirty="0"/>
+              <a:t> </a:t>
+            </a:r>
+            <a:r>
+              <a:rPr lang="en-US" dirty="0" err="1"/>
+              <a:t>tinggi</a:t>
+            </a:r>
+            <a:r>
+              <a:rPr lang="en-US" dirty="0"/>
+              <a:t> </a:t>
+            </a:r>
+            <a:r>
+              <a:rPr lang="en-US" dirty="0" err="1"/>
+              <a:t>nilai</a:t>
+            </a:r>
+            <a:r>
+              <a:rPr lang="en-US" dirty="0"/>
+              <a:t> </a:t>
+            </a:r>
+            <a:r>
+              <a:rPr lang="en-US" dirty="0" err="1"/>
+              <a:t>emisi</a:t>
+            </a:r>
+            <a:r>
+              <a:rPr lang="en-US" dirty="0"/>
+              <a:t> CO2 </a:t>
+            </a:r>
+            <a:r>
+              <a:rPr lang="en-US" dirty="0" err="1"/>
+              <a:t>maka</a:t>
+            </a:r>
+            <a:r>
+              <a:rPr lang="en-US" dirty="0"/>
+              <a:t>, </a:t>
+            </a:r>
+            <a:r>
+              <a:rPr lang="en-US" dirty="0" err="1"/>
+              <a:t>semakin</a:t>
+            </a:r>
+            <a:r>
+              <a:rPr lang="en-US" dirty="0"/>
+              <a:t> negative </a:t>
+            </a:r>
+            <a:r>
+              <a:rPr lang="en-US" dirty="0" err="1"/>
+              <a:t>nilai</a:t>
+            </a:r>
+            <a:r>
+              <a:rPr lang="en-US" dirty="0"/>
+              <a:t> </a:t>
+            </a:r>
+            <a:r>
+              <a:rPr lang="en-US" dirty="0" err="1"/>
+              <a:t>perubahan</a:t>
+            </a:r>
+            <a:r>
+              <a:rPr lang="en-US" dirty="0"/>
+              <a:t> </a:t>
+            </a:r>
+            <a:r>
+              <a:rPr lang="en-US" dirty="0" err="1"/>
+              <a:t>massa</a:t>
+            </a:r>
+            <a:r>
+              <a:rPr lang="en-US" dirty="0"/>
+              <a:t> es (</a:t>
+            </a:r>
+            <a:r>
+              <a:rPr lang="en-US" dirty="0" err="1"/>
+              <a:t>semakin</a:t>
+            </a:r>
+            <a:r>
+              <a:rPr lang="en-US" dirty="0"/>
+              <a:t> </a:t>
+            </a:r>
+            <a:r>
+              <a:rPr lang="en-US" dirty="0" err="1"/>
+              <a:t>tinngi</a:t>
+            </a:r>
+            <a:r>
+              <a:rPr lang="en-US" dirty="0"/>
+              <a:t> </a:t>
+            </a:r>
+            <a:r>
+              <a:rPr lang="en-US" dirty="0" err="1"/>
+              <a:t>pencairan</a:t>
+            </a:r>
+            <a:r>
+              <a:rPr lang="en-US" dirty="0"/>
+              <a:t> es)</a:t>
             </a:r>
           </a:p>
           <a:p>
             <a:r>
-              <a:rPr lang="en-US"/>
-              <a:t>Korelasi antara suhu bumi dan perubahan massa es memiliki nilai yang sangat rendah yaitu -0.054. Hal tersebut menunjukkan bahwa suhu bumi tidak memiliki pengaruh terhadap pengurangan massa es</a:t>
+              <a:rPr lang="en-US" dirty="0" err="1"/>
+              <a:t>Korelasi</a:t>
+            </a:r>
+            <a:r>
+              <a:rPr lang="en-US" dirty="0"/>
+              <a:t> </a:t>
+            </a:r>
+            <a:r>
+              <a:rPr lang="en-US" dirty="0" err="1"/>
+              <a:t>antara</a:t>
+            </a:r>
+            <a:r>
+              <a:rPr lang="en-US" dirty="0"/>
+              <a:t> </a:t>
+            </a:r>
+            <a:r>
+              <a:rPr lang="en-US" dirty="0" err="1"/>
+              <a:t>suhu</a:t>
+            </a:r>
+            <a:r>
+              <a:rPr lang="en-US" dirty="0"/>
+              <a:t> </a:t>
+            </a:r>
+            <a:r>
+              <a:rPr lang="en-US" dirty="0" err="1"/>
+              <a:t>bumi</a:t>
+            </a:r>
+            <a:r>
+              <a:rPr lang="en-US" dirty="0"/>
+              <a:t> dan </a:t>
+            </a:r>
+            <a:r>
+              <a:rPr lang="en-US" dirty="0" err="1"/>
+              <a:t>perubahan</a:t>
+            </a:r>
+            <a:r>
+              <a:rPr lang="en-US" dirty="0"/>
+              <a:t> </a:t>
+            </a:r>
+            <a:r>
+              <a:rPr lang="en-US" dirty="0" err="1"/>
+              <a:t>massa</a:t>
+            </a:r>
+            <a:r>
+              <a:rPr lang="en-US" dirty="0"/>
+              <a:t> es </a:t>
+            </a:r>
+            <a:r>
+              <a:rPr lang="en-US" dirty="0" err="1"/>
+              <a:t>memiliki</a:t>
+            </a:r>
+            <a:r>
+              <a:rPr lang="en-US" dirty="0"/>
+              <a:t> </a:t>
+            </a:r>
+            <a:r>
+              <a:rPr lang="en-US" dirty="0" err="1"/>
+              <a:t>nilai</a:t>
+            </a:r>
+            <a:r>
+              <a:rPr lang="en-US" dirty="0"/>
+              <a:t> yang </a:t>
+            </a:r>
+            <a:r>
+              <a:rPr lang="en-US" dirty="0" err="1"/>
+              <a:t>sangat</a:t>
+            </a:r>
+            <a:r>
+              <a:rPr lang="en-US" dirty="0"/>
+              <a:t> </a:t>
+            </a:r>
+            <a:r>
+              <a:rPr lang="en-US" dirty="0" err="1"/>
+              <a:t>rendah</a:t>
+            </a:r>
+            <a:r>
+              <a:rPr lang="en-US" dirty="0"/>
+              <a:t> </a:t>
+            </a:r>
+            <a:r>
+              <a:rPr lang="en-US" dirty="0" err="1"/>
+              <a:t>yaitu</a:t>
+            </a:r>
+            <a:r>
+              <a:rPr lang="en-US" dirty="0"/>
+              <a:t> -0.054. Hal </a:t>
+            </a:r>
+            <a:r>
+              <a:rPr lang="en-US" dirty="0" err="1"/>
+              <a:t>tersebut</a:t>
+            </a:r>
+            <a:r>
+              <a:rPr lang="en-US" dirty="0"/>
+              <a:t> </a:t>
+            </a:r>
+            <a:r>
+              <a:rPr lang="en-US" dirty="0" err="1"/>
+              <a:t>menunjukkan</a:t>
+            </a:r>
+            <a:r>
+              <a:rPr lang="en-US" dirty="0"/>
+              <a:t> </a:t>
+            </a:r>
+            <a:r>
+              <a:rPr lang="en-US" dirty="0" err="1"/>
+              <a:t>bahwa</a:t>
+            </a:r>
+            <a:r>
+              <a:rPr lang="en-US" dirty="0"/>
+              <a:t> </a:t>
+            </a:r>
+            <a:r>
+              <a:rPr lang="en-US" dirty="0" err="1"/>
+              <a:t>suhu</a:t>
+            </a:r>
+            <a:r>
+              <a:rPr lang="en-US" dirty="0"/>
+              <a:t> </a:t>
+            </a:r>
+            <a:r>
+              <a:rPr lang="en-US" dirty="0" err="1"/>
+              <a:t>bumi</a:t>
+            </a:r>
+            <a:r>
+              <a:rPr lang="en-US" dirty="0"/>
+              <a:t> </a:t>
+            </a:r>
+            <a:r>
+              <a:rPr lang="en-US" dirty="0" err="1"/>
+              <a:t>tidak</a:t>
+            </a:r>
+            <a:r>
+              <a:rPr lang="en-US" dirty="0"/>
+              <a:t> </a:t>
+            </a:r>
+            <a:r>
+              <a:rPr lang="en-US" dirty="0" err="1"/>
+              <a:t>memiliki</a:t>
+            </a:r>
+            <a:r>
+              <a:rPr lang="en-US" dirty="0"/>
+              <a:t> </a:t>
+            </a:r>
+            <a:r>
+              <a:rPr lang="en-US" dirty="0" err="1"/>
+              <a:t>pengaruh</a:t>
+            </a:r>
+            <a:r>
+              <a:rPr lang="en-US" dirty="0"/>
+              <a:t> </a:t>
+            </a:r>
+            <a:r>
+              <a:rPr lang="en-US" dirty="0" err="1"/>
+              <a:t>terhadap</a:t>
+            </a:r>
+            <a:r>
+              <a:rPr lang="en-US" dirty="0"/>
+              <a:t> </a:t>
+            </a:r>
+            <a:r>
+              <a:rPr lang="en-US" dirty="0" err="1"/>
+              <a:t>pengurangan</a:t>
+            </a:r>
+            <a:r>
+              <a:rPr lang="en-US" dirty="0"/>
+              <a:t> </a:t>
+            </a:r>
+            <a:r>
+              <a:rPr lang="en-US" dirty="0" err="1"/>
+              <a:t>massa</a:t>
+            </a:r>
+            <a:r>
+              <a:rPr lang="en-US" dirty="0"/>
+              <a:t> es</a:t>
             </a:r>
             <a:endParaRPr lang="en-ID" dirty="0"/>
           </a:p>
@@ -16734,10 +17138,30 @@
           <a:lstStyle/>
           <a:p>
             <a:r>
-              <a:rPr lang="en-US" sz="2600"/>
-              <a:t>Korelasi data dengan metode Kendall</a:t>
-            </a:r>
-            <a:endParaRPr lang="en-ID" sz="2600"/>
+              <a:rPr lang="en-US" sz="2600" dirty="0" err="1"/>
+              <a:t>Korelasi</a:t>
+            </a:r>
+            <a:r>
+              <a:rPr lang="en-US" sz="2600" dirty="0"/>
+              <a:t> data </a:t>
+            </a:r>
+            <a:r>
+              <a:rPr lang="en-US" sz="2600" dirty="0" err="1"/>
+              <a:t>dengan</a:t>
+            </a:r>
+            <a:r>
+              <a:rPr lang="en-US" sz="2600" dirty="0"/>
+              <a:t> </a:t>
+            </a:r>
+            <a:r>
+              <a:rPr lang="en-US" sz="2600" dirty="0" err="1"/>
+              <a:t>metode</a:t>
+            </a:r>
+            <a:r>
+              <a:rPr lang="en-US" sz="2600" dirty="0"/>
+              <a:t> Kendall</a:t>
+            </a:r>
+            <a:endParaRPr lang="en-ID" sz="2600" dirty="0"/>
           </a:p>
         </p:txBody>
       </p:sp>
@@ -17813,16 +18237,2026 @@
               <a:tabLst/>
             </a:pPr>
             <a:r>
-              <a:rPr kumimoji="0" lang="en-US" altLang="en-US" sz="1600" b="0" i="0" u="none" strike="noStrike" cap="none" normalizeH="0" baseline="0">
+              <a:rPr kumimoji="0" lang="en-US" altLang="en-US" sz="1600" b="0" i="0" u="none" strike="noStrike" cap="none" normalizeH="0" baseline="0" dirty="0" err="1">
                 <a:ln>
                   <a:noFill/>
                 </a:ln>
                 <a:effectLst/>
                 <a:latin typeface="Arial Unicode MS"/>
               </a:rPr>
-              <a:t>Lapisan Es Antartika adalah indikator penting perubahan iklim dan pendorong kenaikan permukaan laut. Di sini kami menggabungkan pengamatan satelit terhadap perubahan volume, aliran, dan tarikan gravitasi dengan pemodelan keseimbangan massa permukaannya untuk menunjukkan bahwa ia kehilangan 2.720 ± 1.390 miliar ton es antara tahun 1992 dan 2017, yang sesuai dengan peningkatan rata-rata permukaan laut 7,6 ± 3,9 milimeter (kesalahan adalah satu standar deviasi). Selama periode ini, pencairan yang disebabkan oleh lautan telah menyebabkan tingkat kehilangan es dari Antartika Barat meningkat dari 53 ± 29 miliar menjadi 159 ± 26 miliar ton per tahun; keruntuhan lapisan es telah meningkatkan tingkat kehilangan es dari Semenanjung Antartika dari 7 ± 13 miliar menjadi 33 ± 16 miliar ton per tahun. Kami menemukan variasi besar dalam dan di antara perkiraan model keseimbangan massa permukaan dan penyesuaian isostatik glasial untuk Antartika Timur, dengan tingkat rata-rata kenaikan massa selama periode 1992-2017 (5 ± 46 miliar ton per tahun) menjadi yang paling tidak pasti.</a:t>
-            </a:r>
-            <a:endParaRPr kumimoji="0" lang="en-US" altLang="en-US" sz="1600" b="0" i="0" u="none" strike="noStrike" cap="none" normalizeH="0" baseline="0">
+              <a:t>Lapisan</a:t>
+            </a:r>
+            <a:r>
+              <a:rPr kumimoji="0" lang="en-US" altLang="en-US" sz="1600" b="0" i="0" u="none" strike="noStrike" cap="none" normalizeH="0" baseline="0" dirty="0">
+                <a:ln>
+                  <a:noFill/>
+                </a:ln>
+                <a:effectLst/>
+                <a:latin typeface="Arial Unicode MS"/>
+              </a:rPr>
+              <a:t> Es </a:t>
+            </a:r>
+            <a:r>
+              <a:rPr kumimoji="0" lang="en-US" altLang="en-US" sz="1600" b="0" i="0" u="none" strike="noStrike" cap="none" normalizeH="0" baseline="0" dirty="0" err="1">
+                <a:ln>
+                  <a:noFill/>
+                </a:ln>
+                <a:effectLst/>
+                <a:latin typeface="Arial Unicode MS"/>
+              </a:rPr>
+              <a:t>Antartika</a:t>
+            </a:r>
+            <a:r>
+              <a:rPr kumimoji="0" lang="en-US" altLang="en-US" sz="1600" b="0" i="0" u="none" strike="noStrike" cap="none" normalizeH="0" baseline="0" dirty="0">
+                <a:ln>
+                  <a:noFill/>
+                </a:ln>
+                <a:effectLst/>
+                <a:latin typeface="Arial Unicode MS"/>
+              </a:rPr>
+              <a:t> </a:t>
+            </a:r>
+            <a:r>
+              <a:rPr kumimoji="0" lang="en-US" altLang="en-US" sz="1600" b="0" i="0" u="none" strike="noStrike" cap="none" normalizeH="0" baseline="0" dirty="0" err="1">
+                <a:ln>
+                  <a:noFill/>
+                </a:ln>
+                <a:effectLst/>
+                <a:latin typeface="Arial Unicode MS"/>
+              </a:rPr>
+              <a:t>adalah</a:t>
+            </a:r>
+            <a:r>
+              <a:rPr kumimoji="0" lang="en-US" altLang="en-US" sz="1600" b="0" i="0" u="none" strike="noStrike" cap="none" normalizeH="0" baseline="0" dirty="0">
+                <a:ln>
+                  <a:noFill/>
+                </a:ln>
+                <a:effectLst/>
+                <a:latin typeface="Arial Unicode MS"/>
+              </a:rPr>
+              <a:t> </a:t>
+            </a:r>
+            <a:r>
+              <a:rPr kumimoji="0" lang="en-US" altLang="en-US" sz="1600" b="0" i="0" u="none" strike="noStrike" cap="none" normalizeH="0" baseline="0" dirty="0" err="1">
+                <a:ln>
+                  <a:noFill/>
+                </a:ln>
+                <a:effectLst/>
+                <a:latin typeface="Arial Unicode MS"/>
+              </a:rPr>
+              <a:t>indikator</a:t>
+            </a:r>
+            <a:r>
+              <a:rPr kumimoji="0" lang="en-US" altLang="en-US" sz="1600" b="0" i="0" u="none" strike="noStrike" cap="none" normalizeH="0" baseline="0" dirty="0">
+                <a:ln>
+                  <a:noFill/>
+                </a:ln>
+                <a:effectLst/>
+                <a:latin typeface="Arial Unicode MS"/>
+              </a:rPr>
+              <a:t> </a:t>
+            </a:r>
+            <a:r>
+              <a:rPr kumimoji="0" lang="en-US" altLang="en-US" sz="1600" b="0" i="0" u="none" strike="noStrike" cap="none" normalizeH="0" baseline="0" dirty="0" err="1">
+                <a:ln>
+                  <a:noFill/>
+                </a:ln>
+                <a:effectLst/>
+                <a:latin typeface="Arial Unicode MS"/>
+              </a:rPr>
+              <a:t>penting</a:t>
+            </a:r>
+            <a:r>
+              <a:rPr kumimoji="0" lang="en-US" altLang="en-US" sz="1600" b="0" i="0" u="none" strike="noStrike" cap="none" normalizeH="0" baseline="0" dirty="0">
+                <a:ln>
+                  <a:noFill/>
+                </a:ln>
+                <a:effectLst/>
+                <a:latin typeface="Arial Unicode MS"/>
+              </a:rPr>
+              <a:t> </a:t>
+            </a:r>
+            <a:r>
+              <a:rPr kumimoji="0" lang="en-US" altLang="en-US" sz="1600" b="0" i="0" u="none" strike="noStrike" cap="none" normalizeH="0" baseline="0" dirty="0" err="1">
+                <a:ln>
+                  <a:noFill/>
+                </a:ln>
+                <a:effectLst/>
+                <a:latin typeface="Arial Unicode MS"/>
+              </a:rPr>
+              <a:t>perubahan</a:t>
+            </a:r>
+            <a:r>
+              <a:rPr kumimoji="0" lang="en-US" altLang="en-US" sz="1600" b="0" i="0" u="none" strike="noStrike" cap="none" normalizeH="0" baseline="0" dirty="0">
+                <a:ln>
+                  <a:noFill/>
+                </a:ln>
+                <a:effectLst/>
+                <a:latin typeface="Arial Unicode MS"/>
+              </a:rPr>
+              <a:t> </a:t>
+            </a:r>
+            <a:r>
+              <a:rPr kumimoji="0" lang="en-US" altLang="en-US" sz="1600" b="0" i="0" u="none" strike="noStrike" cap="none" normalizeH="0" baseline="0" dirty="0" err="1">
+                <a:ln>
+                  <a:noFill/>
+                </a:ln>
+                <a:effectLst/>
+                <a:latin typeface="Arial Unicode MS"/>
+              </a:rPr>
+              <a:t>iklim</a:t>
+            </a:r>
+            <a:r>
+              <a:rPr kumimoji="0" lang="en-US" altLang="en-US" sz="1600" b="0" i="0" u="none" strike="noStrike" cap="none" normalizeH="0" baseline="0" dirty="0">
+                <a:ln>
+                  <a:noFill/>
+                </a:ln>
+                <a:effectLst/>
+                <a:latin typeface="Arial Unicode MS"/>
+              </a:rPr>
+              <a:t> dan </a:t>
+            </a:r>
+            <a:r>
+              <a:rPr kumimoji="0" lang="en-US" altLang="en-US" sz="1600" b="0" i="0" u="none" strike="noStrike" cap="none" normalizeH="0" baseline="0" dirty="0" err="1">
+                <a:ln>
+                  <a:noFill/>
+                </a:ln>
+                <a:effectLst/>
+                <a:latin typeface="Arial Unicode MS"/>
+              </a:rPr>
+              <a:t>pendorong</a:t>
+            </a:r>
+            <a:r>
+              <a:rPr kumimoji="0" lang="en-US" altLang="en-US" sz="1600" b="0" i="0" u="none" strike="noStrike" cap="none" normalizeH="0" baseline="0" dirty="0">
+                <a:ln>
+                  <a:noFill/>
+                </a:ln>
+                <a:effectLst/>
+                <a:latin typeface="Arial Unicode MS"/>
+              </a:rPr>
+              <a:t> </a:t>
+            </a:r>
+            <a:r>
+              <a:rPr kumimoji="0" lang="en-US" altLang="en-US" sz="1600" b="0" i="0" u="none" strike="noStrike" cap="none" normalizeH="0" baseline="0" dirty="0" err="1">
+                <a:ln>
+                  <a:noFill/>
+                </a:ln>
+                <a:effectLst/>
+                <a:latin typeface="Arial Unicode MS"/>
+              </a:rPr>
+              <a:t>kenaikan</a:t>
+            </a:r>
+            <a:r>
+              <a:rPr kumimoji="0" lang="en-US" altLang="en-US" sz="1600" b="0" i="0" u="none" strike="noStrike" cap="none" normalizeH="0" baseline="0" dirty="0">
+                <a:ln>
+                  <a:noFill/>
+                </a:ln>
+                <a:effectLst/>
+                <a:latin typeface="Arial Unicode MS"/>
+              </a:rPr>
+              <a:t> </a:t>
+            </a:r>
+            <a:r>
+              <a:rPr kumimoji="0" lang="en-US" altLang="en-US" sz="1600" b="0" i="0" u="none" strike="noStrike" cap="none" normalizeH="0" baseline="0" dirty="0" err="1">
+                <a:ln>
+                  <a:noFill/>
+                </a:ln>
+                <a:effectLst/>
+                <a:latin typeface="Arial Unicode MS"/>
+              </a:rPr>
+              <a:t>permukaan</a:t>
+            </a:r>
+            <a:r>
+              <a:rPr kumimoji="0" lang="en-US" altLang="en-US" sz="1600" b="0" i="0" u="none" strike="noStrike" cap="none" normalizeH="0" baseline="0" dirty="0">
+                <a:ln>
+                  <a:noFill/>
+                </a:ln>
+                <a:effectLst/>
+                <a:latin typeface="Arial Unicode MS"/>
+              </a:rPr>
+              <a:t> </a:t>
+            </a:r>
+            <a:r>
+              <a:rPr kumimoji="0" lang="en-US" altLang="en-US" sz="1600" b="0" i="0" u="none" strike="noStrike" cap="none" normalizeH="0" baseline="0" dirty="0" err="1">
+                <a:ln>
+                  <a:noFill/>
+                </a:ln>
+                <a:effectLst/>
+                <a:latin typeface="Arial Unicode MS"/>
+              </a:rPr>
+              <a:t>laut</a:t>
+            </a:r>
+            <a:r>
+              <a:rPr kumimoji="0" lang="en-US" altLang="en-US" sz="1600" b="0" i="0" u="none" strike="noStrike" cap="none" normalizeH="0" baseline="0" dirty="0">
+                <a:ln>
+                  <a:noFill/>
+                </a:ln>
+                <a:effectLst/>
+                <a:latin typeface="Arial Unicode MS"/>
+              </a:rPr>
+              <a:t>. Di </a:t>
+            </a:r>
+            <a:r>
+              <a:rPr kumimoji="0" lang="en-US" altLang="en-US" sz="1600" b="0" i="0" u="none" strike="noStrike" cap="none" normalizeH="0" baseline="0" dirty="0" err="1">
+                <a:ln>
+                  <a:noFill/>
+                </a:ln>
+                <a:effectLst/>
+                <a:latin typeface="Arial Unicode MS"/>
+              </a:rPr>
+              <a:t>sini</a:t>
+            </a:r>
+            <a:r>
+              <a:rPr kumimoji="0" lang="en-US" altLang="en-US" sz="1600" b="0" i="0" u="none" strike="noStrike" cap="none" normalizeH="0" baseline="0" dirty="0">
+                <a:ln>
+                  <a:noFill/>
+                </a:ln>
+                <a:effectLst/>
+                <a:latin typeface="Arial Unicode MS"/>
+              </a:rPr>
+              <a:t> kami </a:t>
+            </a:r>
+            <a:r>
+              <a:rPr kumimoji="0" lang="en-US" altLang="en-US" sz="1600" b="0" i="0" u="none" strike="noStrike" cap="none" normalizeH="0" baseline="0" dirty="0" err="1">
+                <a:ln>
+                  <a:noFill/>
+                </a:ln>
+                <a:effectLst/>
+                <a:latin typeface="Arial Unicode MS"/>
+              </a:rPr>
+              <a:t>menggabungkan</a:t>
+            </a:r>
+            <a:r>
+              <a:rPr kumimoji="0" lang="en-US" altLang="en-US" sz="1600" b="0" i="0" u="none" strike="noStrike" cap="none" normalizeH="0" baseline="0" dirty="0">
+                <a:ln>
+                  <a:noFill/>
+                </a:ln>
+                <a:effectLst/>
+                <a:latin typeface="Arial Unicode MS"/>
+              </a:rPr>
+              <a:t> </a:t>
+            </a:r>
+            <a:r>
+              <a:rPr kumimoji="0" lang="en-US" altLang="en-US" sz="1600" b="0" i="0" u="none" strike="noStrike" cap="none" normalizeH="0" baseline="0" dirty="0" err="1">
+                <a:ln>
+                  <a:noFill/>
+                </a:ln>
+                <a:effectLst/>
+                <a:latin typeface="Arial Unicode MS"/>
+              </a:rPr>
+              <a:t>pengamatan</a:t>
+            </a:r>
+            <a:r>
+              <a:rPr kumimoji="0" lang="en-US" altLang="en-US" sz="1600" b="0" i="0" u="none" strike="noStrike" cap="none" normalizeH="0" baseline="0" dirty="0">
+                <a:ln>
+                  <a:noFill/>
+                </a:ln>
+                <a:effectLst/>
+                <a:latin typeface="Arial Unicode MS"/>
+              </a:rPr>
+              <a:t> </a:t>
+            </a:r>
+            <a:r>
+              <a:rPr kumimoji="0" lang="en-US" altLang="en-US" sz="1600" b="0" i="0" u="none" strike="noStrike" cap="none" normalizeH="0" baseline="0" dirty="0" err="1">
+                <a:ln>
+                  <a:noFill/>
+                </a:ln>
+                <a:effectLst/>
+                <a:latin typeface="Arial Unicode MS"/>
+              </a:rPr>
+              <a:t>satelit</a:t>
+            </a:r>
+            <a:r>
+              <a:rPr kumimoji="0" lang="en-US" altLang="en-US" sz="1600" b="0" i="0" u="none" strike="noStrike" cap="none" normalizeH="0" baseline="0" dirty="0">
+                <a:ln>
+                  <a:noFill/>
+                </a:ln>
+                <a:effectLst/>
+                <a:latin typeface="Arial Unicode MS"/>
+              </a:rPr>
+              <a:t> </a:t>
+            </a:r>
+            <a:r>
+              <a:rPr kumimoji="0" lang="en-US" altLang="en-US" sz="1600" b="0" i="0" u="none" strike="noStrike" cap="none" normalizeH="0" baseline="0" dirty="0" err="1">
+                <a:ln>
+                  <a:noFill/>
+                </a:ln>
+                <a:effectLst/>
+                <a:latin typeface="Arial Unicode MS"/>
+              </a:rPr>
+              <a:t>terhadap</a:t>
+            </a:r>
+            <a:r>
+              <a:rPr kumimoji="0" lang="en-US" altLang="en-US" sz="1600" b="0" i="0" u="none" strike="noStrike" cap="none" normalizeH="0" baseline="0" dirty="0">
+                <a:ln>
+                  <a:noFill/>
+                </a:ln>
+                <a:effectLst/>
+                <a:latin typeface="Arial Unicode MS"/>
+              </a:rPr>
+              <a:t> </a:t>
+            </a:r>
+            <a:r>
+              <a:rPr kumimoji="0" lang="en-US" altLang="en-US" sz="1600" b="0" i="0" u="none" strike="noStrike" cap="none" normalizeH="0" baseline="0" dirty="0" err="1">
+                <a:ln>
+                  <a:noFill/>
+                </a:ln>
+                <a:effectLst/>
+                <a:latin typeface="Arial Unicode MS"/>
+              </a:rPr>
+              <a:t>perubahan</a:t>
+            </a:r>
+            <a:r>
+              <a:rPr kumimoji="0" lang="en-US" altLang="en-US" sz="1600" b="0" i="0" u="none" strike="noStrike" cap="none" normalizeH="0" baseline="0" dirty="0">
+                <a:ln>
+                  <a:noFill/>
+                </a:ln>
+                <a:effectLst/>
+                <a:latin typeface="Arial Unicode MS"/>
+              </a:rPr>
+              <a:t> volume, </a:t>
+            </a:r>
+            <a:r>
+              <a:rPr kumimoji="0" lang="en-US" altLang="en-US" sz="1600" b="0" i="0" u="none" strike="noStrike" cap="none" normalizeH="0" baseline="0" dirty="0" err="1">
+                <a:ln>
+                  <a:noFill/>
+                </a:ln>
+                <a:effectLst/>
+                <a:latin typeface="Arial Unicode MS"/>
+              </a:rPr>
+              <a:t>aliran</a:t>
+            </a:r>
+            <a:r>
+              <a:rPr kumimoji="0" lang="en-US" altLang="en-US" sz="1600" b="0" i="0" u="none" strike="noStrike" cap="none" normalizeH="0" baseline="0" dirty="0">
+                <a:ln>
+                  <a:noFill/>
+                </a:ln>
+                <a:effectLst/>
+                <a:latin typeface="Arial Unicode MS"/>
+              </a:rPr>
+              <a:t>, dan </a:t>
+            </a:r>
+            <a:r>
+              <a:rPr kumimoji="0" lang="en-US" altLang="en-US" sz="1600" b="0" i="0" u="none" strike="noStrike" cap="none" normalizeH="0" baseline="0" dirty="0" err="1">
+                <a:ln>
+                  <a:noFill/>
+                </a:ln>
+                <a:effectLst/>
+                <a:latin typeface="Arial Unicode MS"/>
+              </a:rPr>
+              <a:t>tarikan</a:t>
+            </a:r>
+            <a:r>
+              <a:rPr kumimoji="0" lang="en-US" altLang="en-US" sz="1600" b="0" i="0" u="none" strike="noStrike" cap="none" normalizeH="0" baseline="0" dirty="0">
+                <a:ln>
+                  <a:noFill/>
+                </a:ln>
+                <a:effectLst/>
+                <a:latin typeface="Arial Unicode MS"/>
+              </a:rPr>
+              <a:t> </a:t>
+            </a:r>
+            <a:r>
+              <a:rPr kumimoji="0" lang="en-US" altLang="en-US" sz="1600" b="0" i="0" u="none" strike="noStrike" cap="none" normalizeH="0" baseline="0" dirty="0" err="1">
+                <a:ln>
+                  <a:noFill/>
+                </a:ln>
+                <a:effectLst/>
+                <a:latin typeface="Arial Unicode MS"/>
+              </a:rPr>
+              <a:t>gravitasi</a:t>
+            </a:r>
+            <a:r>
+              <a:rPr kumimoji="0" lang="en-US" altLang="en-US" sz="1600" b="0" i="0" u="none" strike="noStrike" cap="none" normalizeH="0" baseline="0" dirty="0">
+                <a:ln>
+                  <a:noFill/>
+                </a:ln>
+                <a:effectLst/>
+                <a:latin typeface="Arial Unicode MS"/>
+              </a:rPr>
+              <a:t> </a:t>
+            </a:r>
+            <a:r>
+              <a:rPr kumimoji="0" lang="en-US" altLang="en-US" sz="1600" b="0" i="0" u="none" strike="noStrike" cap="none" normalizeH="0" baseline="0" dirty="0" err="1">
+                <a:ln>
+                  <a:noFill/>
+                </a:ln>
+                <a:effectLst/>
+                <a:latin typeface="Arial Unicode MS"/>
+              </a:rPr>
+              <a:t>dengan</a:t>
+            </a:r>
+            <a:r>
+              <a:rPr kumimoji="0" lang="en-US" altLang="en-US" sz="1600" b="0" i="0" u="none" strike="noStrike" cap="none" normalizeH="0" baseline="0" dirty="0">
+                <a:ln>
+                  <a:noFill/>
+                </a:ln>
+                <a:effectLst/>
+                <a:latin typeface="Arial Unicode MS"/>
+              </a:rPr>
+              <a:t> </a:t>
+            </a:r>
+            <a:r>
+              <a:rPr kumimoji="0" lang="en-US" altLang="en-US" sz="1600" b="0" i="0" u="none" strike="noStrike" cap="none" normalizeH="0" baseline="0" dirty="0" err="1">
+                <a:ln>
+                  <a:noFill/>
+                </a:ln>
+                <a:effectLst/>
+                <a:latin typeface="Arial Unicode MS"/>
+              </a:rPr>
+              <a:t>pemodelan</a:t>
+            </a:r>
+            <a:r>
+              <a:rPr kumimoji="0" lang="en-US" altLang="en-US" sz="1600" b="0" i="0" u="none" strike="noStrike" cap="none" normalizeH="0" baseline="0" dirty="0">
+                <a:ln>
+                  <a:noFill/>
+                </a:ln>
+                <a:effectLst/>
+                <a:latin typeface="Arial Unicode MS"/>
+              </a:rPr>
+              <a:t> </a:t>
+            </a:r>
+            <a:r>
+              <a:rPr kumimoji="0" lang="en-US" altLang="en-US" sz="1600" b="0" i="0" u="none" strike="noStrike" cap="none" normalizeH="0" baseline="0" dirty="0" err="1">
+                <a:ln>
+                  <a:noFill/>
+                </a:ln>
+                <a:effectLst/>
+                <a:latin typeface="Arial Unicode MS"/>
+              </a:rPr>
+              <a:t>keseimbangan</a:t>
+            </a:r>
+            <a:r>
+              <a:rPr kumimoji="0" lang="en-US" altLang="en-US" sz="1600" b="0" i="0" u="none" strike="noStrike" cap="none" normalizeH="0" baseline="0" dirty="0">
+                <a:ln>
+                  <a:noFill/>
+                </a:ln>
+                <a:effectLst/>
+                <a:latin typeface="Arial Unicode MS"/>
+              </a:rPr>
+              <a:t> </a:t>
+            </a:r>
+            <a:r>
+              <a:rPr kumimoji="0" lang="en-US" altLang="en-US" sz="1600" b="0" i="0" u="none" strike="noStrike" cap="none" normalizeH="0" baseline="0" dirty="0" err="1">
+                <a:ln>
+                  <a:noFill/>
+                </a:ln>
+                <a:effectLst/>
+                <a:latin typeface="Arial Unicode MS"/>
+              </a:rPr>
+              <a:t>massa</a:t>
+            </a:r>
+            <a:r>
+              <a:rPr kumimoji="0" lang="en-US" altLang="en-US" sz="1600" b="0" i="0" u="none" strike="noStrike" cap="none" normalizeH="0" baseline="0" dirty="0">
+                <a:ln>
+                  <a:noFill/>
+                </a:ln>
+                <a:effectLst/>
+                <a:latin typeface="Arial Unicode MS"/>
+              </a:rPr>
+              <a:t> </a:t>
+            </a:r>
+            <a:r>
+              <a:rPr kumimoji="0" lang="en-US" altLang="en-US" sz="1600" b="0" i="0" u="none" strike="noStrike" cap="none" normalizeH="0" baseline="0" dirty="0" err="1">
+                <a:ln>
+                  <a:noFill/>
+                </a:ln>
+                <a:effectLst/>
+                <a:latin typeface="Arial Unicode MS"/>
+              </a:rPr>
+              <a:t>permukaannya</a:t>
+            </a:r>
+            <a:r>
+              <a:rPr kumimoji="0" lang="en-US" altLang="en-US" sz="1600" b="0" i="0" u="none" strike="noStrike" cap="none" normalizeH="0" baseline="0" dirty="0">
+                <a:ln>
+                  <a:noFill/>
+                </a:ln>
+                <a:effectLst/>
+                <a:latin typeface="Arial Unicode MS"/>
+              </a:rPr>
+              <a:t> </a:t>
+            </a:r>
+            <a:r>
+              <a:rPr kumimoji="0" lang="en-US" altLang="en-US" sz="1600" b="0" i="0" u="none" strike="noStrike" cap="none" normalizeH="0" baseline="0" dirty="0" err="1">
+                <a:ln>
+                  <a:noFill/>
+                </a:ln>
+                <a:effectLst/>
+                <a:latin typeface="Arial Unicode MS"/>
+              </a:rPr>
+              <a:t>untuk</a:t>
+            </a:r>
+            <a:r>
+              <a:rPr kumimoji="0" lang="en-US" altLang="en-US" sz="1600" b="0" i="0" u="none" strike="noStrike" cap="none" normalizeH="0" baseline="0" dirty="0">
+                <a:ln>
+                  <a:noFill/>
+                </a:ln>
+                <a:effectLst/>
+                <a:latin typeface="Arial Unicode MS"/>
+              </a:rPr>
+              <a:t> </a:t>
+            </a:r>
+            <a:r>
+              <a:rPr kumimoji="0" lang="en-US" altLang="en-US" sz="1600" b="0" i="0" u="none" strike="noStrike" cap="none" normalizeH="0" baseline="0" dirty="0" err="1">
+                <a:ln>
+                  <a:noFill/>
+                </a:ln>
+                <a:effectLst/>
+                <a:latin typeface="Arial Unicode MS"/>
+              </a:rPr>
+              <a:t>menunjukkan</a:t>
+            </a:r>
+            <a:r>
+              <a:rPr kumimoji="0" lang="en-US" altLang="en-US" sz="1600" b="0" i="0" u="none" strike="noStrike" cap="none" normalizeH="0" baseline="0" dirty="0">
+                <a:ln>
+                  <a:noFill/>
+                </a:ln>
+                <a:effectLst/>
+                <a:latin typeface="Arial Unicode MS"/>
+              </a:rPr>
+              <a:t> </a:t>
+            </a:r>
+            <a:r>
+              <a:rPr kumimoji="0" lang="en-US" altLang="en-US" sz="1600" b="0" i="0" u="none" strike="noStrike" cap="none" normalizeH="0" baseline="0" dirty="0" err="1">
+                <a:ln>
+                  <a:noFill/>
+                </a:ln>
+                <a:effectLst/>
+                <a:latin typeface="Arial Unicode MS"/>
+              </a:rPr>
+              <a:t>bahwa</a:t>
+            </a:r>
+            <a:r>
+              <a:rPr kumimoji="0" lang="en-US" altLang="en-US" sz="1600" b="0" i="0" u="none" strike="noStrike" cap="none" normalizeH="0" baseline="0" dirty="0">
+                <a:ln>
+                  <a:noFill/>
+                </a:ln>
+                <a:effectLst/>
+                <a:latin typeface="Arial Unicode MS"/>
+              </a:rPr>
+              <a:t> </a:t>
+            </a:r>
+            <a:r>
+              <a:rPr kumimoji="0" lang="en-US" altLang="en-US" sz="1600" b="0" i="0" u="none" strike="noStrike" cap="none" normalizeH="0" baseline="0" dirty="0" err="1">
+                <a:ln>
+                  <a:noFill/>
+                </a:ln>
+                <a:effectLst/>
+                <a:latin typeface="Arial Unicode MS"/>
+              </a:rPr>
+              <a:t>ia</a:t>
+            </a:r>
+            <a:r>
+              <a:rPr kumimoji="0" lang="en-US" altLang="en-US" sz="1600" b="0" i="0" u="none" strike="noStrike" cap="none" normalizeH="0" baseline="0" dirty="0">
+                <a:ln>
+                  <a:noFill/>
+                </a:ln>
+                <a:effectLst/>
+                <a:latin typeface="Arial Unicode MS"/>
+              </a:rPr>
+              <a:t> </a:t>
+            </a:r>
+            <a:r>
+              <a:rPr kumimoji="0" lang="en-US" altLang="en-US" sz="1600" b="0" i="0" u="none" strike="noStrike" cap="none" normalizeH="0" baseline="0" dirty="0" err="1">
+                <a:ln>
+                  <a:noFill/>
+                </a:ln>
+                <a:effectLst/>
+                <a:latin typeface="Arial Unicode MS"/>
+              </a:rPr>
+              <a:t>kehilangan</a:t>
+            </a:r>
+            <a:r>
+              <a:rPr kumimoji="0" lang="en-US" altLang="en-US" sz="1600" b="0" i="0" u="none" strike="noStrike" cap="none" normalizeH="0" baseline="0" dirty="0">
+                <a:ln>
+                  <a:noFill/>
+                </a:ln>
+                <a:effectLst/>
+                <a:latin typeface="Arial Unicode MS"/>
+              </a:rPr>
+              <a:t> 2.720 ± 1.390 </a:t>
+            </a:r>
+            <a:r>
+              <a:rPr kumimoji="0" lang="en-US" altLang="en-US" sz="1600" b="0" i="0" u="none" strike="noStrike" cap="none" normalizeH="0" baseline="0" dirty="0" err="1">
+                <a:ln>
+                  <a:noFill/>
+                </a:ln>
+                <a:effectLst/>
+                <a:latin typeface="Arial Unicode MS"/>
+              </a:rPr>
+              <a:t>miliar</a:t>
+            </a:r>
+            <a:r>
+              <a:rPr kumimoji="0" lang="en-US" altLang="en-US" sz="1600" b="0" i="0" u="none" strike="noStrike" cap="none" normalizeH="0" baseline="0" dirty="0">
+                <a:ln>
+                  <a:noFill/>
+                </a:ln>
+                <a:effectLst/>
+                <a:latin typeface="Arial Unicode MS"/>
+              </a:rPr>
+              <a:t> ton es </a:t>
+            </a:r>
+            <a:r>
+              <a:rPr kumimoji="0" lang="en-US" altLang="en-US" sz="1600" b="0" i="0" u="none" strike="noStrike" cap="none" normalizeH="0" baseline="0" dirty="0" err="1">
+                <a:ln>
+                  <a:noFill/>
+                </a:ln>
+                <a:effectLst/>
+                <a:latin typeface="Arial Unicode MS"/>
+              </a:rPr>
+              <a:t>antara</a:t>
+            </a:r>
+            <a:r>
+              <a:rPr kumimoji="0" lang="en-US" altLang="en-US" sz="1600" b="0" i="0" u="none" strike="noStrike" cap="none" normalizeH="0" baseline="0" dirty="0">
+                <a:ln>
+                  <a:noFill/>
+                </a:ln>
+                <a:effectLst/>
+                <a:latin typeface="Arial Unicode MS"/>
+              </a:rPr>
+              <a:t> </a:t>
+            </a:r>
+            <a:r>
+              <a:rPr kumimoji="0" lang="en-US" altLang="en-US" sz="1600" b="0" i="0" u="none" strike="noStrike" cap="none" normalizeH="0" baseline="0" dirty="0" err="1">
+                <a:ln>
+                  <a:noFill/>
+                </a:ln>
+                <a:effectLst/>
+                <a:latin typeface="Arial Unicode MS"/>
+              </a:rPr>
+              <a:t>tahun</a:t>
+            </a:r>
+            <a:r>
+              <a:rPr kumimoji="0" lang="en-US" altLang="en-US" sz="1600" b="0" i="0" u="none" strike="noStrike" cap="none" normalizeH="0" baseline="0" dirty="0">
+                <a:ln>
+                  <a:noFill/>
+                </a:ln>
+                <a:effectLst/>
+                <a:latin typeface="Arial Unicode MS"/>
+              </a:rPr>
+              <a:t> 1992 dan 2017, yang </a:t>
+            </a:r>
+            <a:r>
+              <a:rPr kumimoji="0" lang="en-US" altLang="en-US" sz="1600" b="0" i="0" u="none" strike="noStrike" cap="none" normalizeH="0" baseline="0" dirty="0" err="1">
+                <a:ln>
+                  <a:noFill/>
+                </a:ln>
+                <a:effectLst/>
+                <a:latin typeface="Arial Unicode MS"/>
+              </a:rPr>
+              <a:t>sesuai</a:t>
+            </a:r>
+            <a:r>
+              <a:rPr kumimoji="0" lang="en-US" altLang="en-US" sz="1600" b="0" i="0" u="none" strike="noStrike" cap="none" normalizeH="0" baseline="0" dirty="0">
+                <a:ln>
+                  <a:noFill/>
+                </a:ln>
+                <a:effectLst/>
+                <a:latin typeface="Arial Unicode MS"/>
+              </a:rPr>
+              <a:t> </a:t>
+            </a:r>
+            <a:r>
+              <a:rPr kumimoji="0" lang="en-US" altLang="en-US" sz="1600" b="0" i="0" u="none" strike="noStrike" cap="none" normalizeH="0" baseline="0" dirty="0" err="1">
+                <a:ln>
+                  <a:noFill/>
+                </a:ln>
+                <a:effectLst/>
+                <a:latin typeface="Arial Unicode MS"/>
+              </a:rPr>
+              <a:t>dengan</a:t>
+            </a:r>
+            <a:r>
+              <a:rPr kumimoji="0" lang="en-US" altLang="en-US" sz="1600" b="0" i="0" u="none" strike="noStrike" cap="none" normalizeH="0" baseline="0" dirty="0">
+                <a:ln>
+                  <a:noFill/>
+                </a:ln>
+                <a:effectLst/>
+                <a:latin typeface="Arial Unicode MS"/>
+              </a:rPr>
+              <a:t> </a:t>
+            </a:r>
+            <a:r>
+              <a:rPr kumimoji="0" lang="en-US" altLang="en-US" sz="1600" b="0" i="0" u="none" strike="noStrike" cap="none" normalizeH="0" baseline="0" dirty="0" err="1">
+                <a:ln>
+                  <a:noFill/>
+                </a:ln>
+                <a:effectLst/>
+                <a:latin typeface="Arial Unicode MS"/>
+              </a:rPr>
+              <a:t>peningkatan</a:t>
+            </a:r>
+            <a:r>
+              <a:rPr kumimoji="0" lang="en-US" altLang="en-US" sz="1600" b="0" i="0" u="none" strike="noStrike" cap="none" normalizeH="0" baseline="0" dirty="0">
+                <a:ln>
+                  <a:noFill/>
+                </a:ln>
+                <a:effectLst/>
+                <a:latin typeface="Arial Unicode MS"/>
+              </a:rPr>
+              <a:t> rata-rata </a:t>
+            </a:r>
+            <a:r>
+              <a:rPr kumimoji="0" lang="en-US" altLang="en-US" sz="1600" b="0" i="0" u="none" strike="noStrike" cap="none" normalizeH="0" baseline="0" dirty="0" err="1">
+                <a:ln>
+                  <a:noFill/>
+                </a:ln>
+                <a:effectLst/>
+                <a:latin typeface="Arial Unicode MS"/>
+              </a:rPr>
+              <a:t>permukaan</a:t>
+            </a:r>
+            <a:r>
+              <a:rPr kumimoji="0" lang="en-US" altLang="en-US" sz="1600" b="0" i="0" u="none" strike="noStrike" cap="none" normalizeH="0" baseline="0" dirty="0">
+                <a:ln>
+                  <a:noFill/>
+                </a:ln>
+                <a:effectLst/>
+                <a:latin typeface="Arial Unicode MS"/>
+              </a:rPr>
+              <a:t> </a:t>
+            </a:r>
+            <a:r>
+              <a:rPr kumimoji="0" lang="en-US" altLang="en-US" sz="1600" b="0" i="0" u="none" strike="noStrike" cap="none" normalizeH="0" baseline="0" dirty="0" err="1">
+                <a:ln>
+                  <a:noFill/>
+                </a:ln>
+                <a:effectLst/>
+                <a:latin typeface="Arial Unicode MS"/>
+              </a:rPr>
+              <a:t>laut</a:t>
+            </a:r>
+            <a:r>
+              <a:rPr kumimoji="0" lang="en-US" altLang="en-US" sz="1600" b="0" i="0" u="none" strike="noStrike" cap="none" normalizeH="0" baseline="0" dirty="0">
+                <a:ln>
+                  <a:noFill/>
+                </a:ln>
+                <a:effectLst/>
+                <a:latin typeface="Arial Unicode MS"/>
+              </a:rPr>
+              <a:t> 7,6 ± 3,9 </a:t>
+            </a:r>
+            <a:r>
+              <a:rPr kumimoji="0" lang="en-US" altLang="en-US" sz="1600" b="0" i="0" u="none" strike="noStrike" cap="none" normalizeH="0" baseline="0" dirty="0" err="1">
+                <a:ln>
+                  <a:noFill/>
+                </a:ln>
+                <a:effectLst/>
+                <a:latin typeface="Arial Unicode MS"/>
+              </a:rPr>
+              <a:t>milimeter</a:t>
+            </a:r>
+            <a:r>
+              <a:rPr kumimoji="0" lang="en-US" altLang="en-US" sz="1600" b="0" i="0" u="none" strike="noStrike" cap="none" normalizeH="0" baseline="0" dirty="0">
+                <a:ln>
+                  <a:noFill/>
+                </a:ln>
+                <a:effectLst/>
+                <a:latin typeface="Arial Unicode MS"/>
+              </a:rPr>
+              <a:t> (</a:t>
+            </a:r>
+            <a:r>
+              <a:rPr kumimoji="0" lang="en-US" altLang="en-US" sz="1600" b="0" i="0" u="none" strike="noStrike" cap="none" normalizeH="0" baseline="0" dirty="0" err="1">
+                <a:ln>
+                  <a:noFill/>
+                </a:ln>
+                <a:effectLst/>
+                <a:latin typeface="Arial Unicode MS"/>
+              </a:rPr>
+              <a:t>kesalahan</a:t>
+            </a:r>
+            <a:r>
+              <a:rPr kumimoji="0" lang="en-US" altLang="en-US" sz="1600" b="0" i="0" u="none" strike="noStrike" cap="none" normalizeH="0" baseline="0" dirty="0">
+                <a:ln>
+                  <a:noFill/>
+                </a:ln>
+                <a:effectLst/>
+                <a:latin typeface="Arial Unicode MS"/>
+              </a:rPr>
+              <a:t> </a:t>
+            </a:r>
+            <a:r>
+              <a:rPr kumimoji="0" lang="en-US" altLang="en-US" sz="1600" b="0" i="0" u="none" strike="noStrike" cap="none" normalizeH="0" baseline="0" dirty="0" err="1">
+                <a:ln>
+                  <a:noFill/>
+                </a:ln>
+                <a:effectLst/>
+                <a:latin typeface="Arial Unicode MS"/>
+              </a:rPr>
+              <a:t>adalah</a:t>
+            </a:r>
+            <a:r>
+              <a:rPr kumimoji="0" lang="en-US" altLang="en-US" sz="1600" b="0" i="0" u="none" strike="noStrike" cap="none" normalizeH="0" baseline="0" dirty="0">
+                <a:ln>
+                  <a:noFill/>
+                </a:ln>
+                <a:effectLst/>
+                <a:latin typeface="Arial Unicode MS"/>
+              </a:rPr>
+              <a:t> </a:t>
+            </a:r>
+            <a:r>
+              <a:rPr kumimoji="0" lang="en-US" altLang="en-US" sz="1600" b="0" i="0" u="none" strike="noStrike" cap="none" normalizeH="0" baseline="0" dirty="0" err="1">
+                <a:ln>
+                  <a:noFill/>
+                </a:ln>
+                <a:effectLst/>
+                <a:latin typeface="Arial Unicode MS"/>
+              </a:rPr>
+              <a:t>satu</a:t>
+            </a:r>
+            <a:r>
+              <a:rPr kumimoji="0" lang="en-US" altLang="en-US" sz="1600" b="0" i="0" u="none" strike="noStrike" cap="none" normalizeH="0" baseline="0" dirty="0">
+                <a:ln>
+                  <a:noFill/>
+                </a:ln>
+                <a:effectLst/>
+                <a:latin typeface="Arial Unicode MS"/>
+              </a:rPr>
+              <a:t> </a:t>
+            </a:r>
+            <a:r>
+              <a:rPr kumimoji="0" lang="en-US" altLang="en-US" sz="1600" b="0" i="0" u="none" strike="noStrike" cap="none" normalizeH="0" baseline="0" dirty="0" err="1">
+                <a:ln>
+                  <a:noFill/>
+                </a:ln>
+                <a:effectLst/>
+                <a:latin typeface="Arial Unicode MS"/>
+              </a:rPr>
+              <a:t>standar</a:t>
+            </a:r>
+            <a:r>
+              <a:rPr kumimoji="0" lang="en-US" altLang="en-US" sz="1600" b="0" i="0" u="none" strike="noStrike" cap="none" normalizeH="0" baseline="0" dirty="0">
+                <a:ln>
+                  <a:noFill/>
+                </a:ln>
+                <a:effectLst/>
+                <a:latin typeface="Arial Unicode MS"/>
+              </a:rPr>
+              <a:t> </a:t>
+            </a:r>
+            <a:r>
+              <a:rPr kumimoji="0" lang="en-US" altLang="en-US" sz="1600" b="0" i="0" u="none" strike="noStrike" cap="none" normalizeH="0" baseline="0" dirty="0" err="1">
+                <a:ln>
+                  <a:noFill/>
+                </a:ln>
+                <a:effectLst/>
+                <a:latin typeface="Arial Unicode MS"/>
+              </a:rPr>
+              <a:t>deviasi</a:t>
+            </a:r>
+            <a:r>
+              <a:rPr kumimoji="0" lang="en-US" altLang="en-US" sz="1600" b="0" i="0" u="none" strike="noStrike" cap="none" normalizeH="0" baseline="0" dirty="0">
+                <a:ln>
+                  <a:noFill/>
+                </a:ln>
+                <a:effectLst/>
+                <a:latin typeface="Arial Unicode MS"/>
+              </a:rPr>
+              <a:t>). </a:t>
+            </a:r>
+            <a:r>
+              <a:rPr kumimoji="0" lang="en-US" altLang="en-US" sz="1600" b="0" i="0" u="none" strike="noStrike" cap="none" normalizeH="0" baseline="0" dirty="0" err="1">
+                <a:ln>
+                  <a:noFill/>
+                </a:ln>
+                <a:effectLst/>
+                <a:latin typeface="Arial Unicode MS"/>
+              </a:rPr>
+              <a:t>Selama</a:t>
+            </a:r>
+            <a:r>
+              <a:rPr kumimoji="0" lang="en-US" altLang="en-US" sz="1600" b="0" i="0" u="none" strike="noStrike" cap="none" normalizeH="0" baseline="0" dirty="0">
+                <a:ln>
+                  <a:noFill/>
+                </a:ln>
+                <a:effectLst/>
+                <a:latin typeface="Arial Unicode MS"/>
+              </a:rPr>
+              <a:t> </a:t>
+            </a:r>
+            <a:r>
+              <a:rPr kumimoji="0" lang="en-US" altLang="en-US" sz="1600" b="0" i="0" u="none" strike="noStrike" cap="none" normalizeH="0" baseline="0" dirty="0" err="1">
+                <a:ln>
+                  <a:noFill/>
+                </a:ln>
+                <a:effectLst/>
+                <a:latin typeface="Arial Unicode MS"/>
+              </a:rPr>
+              <a:t>periode</a:t>
+            </a:r>
+            <a:r>
+              <a:rPr kumimoji="0" lang="en-US" altLang="en-US" sz="1600" b="0" i="0" u="none" strike="noStrike" cap="none" normalizeH="0" baseline="0" dirty="0">
+                <a:ln>
+                  <a:noFill/>
+                </a:ln>
+                <a:effectLst/>
+                <a:latin typeface="Arial Unicode MS"/>
+              </a:rPr>
+              <a:t> </a:t>
+            </a:r>
+            <a:r>
+              <a:rPr kumimoji="0" lang="en-US" altLang="en-US" sz="1600" b="0" i="0" u="none" strike="noStrike" cap="none" normalizeH="0" baseline="0" dirty="0" err="1">
+                <a:ln>
+                  <a:noFill/>
+                </a:ln>
+                <a:effectLst/>
+                <a:latin typeface="Arial Unicode MS"/>
+              </a:rPr>
+              <a:t>ini</a:t>
+            </a:r>
+            <a:r>
+              <a:rPr kumimoji="0" lang="en-US" altLang="en-US" sz="1600" b="0" i="0" u="none" strike="noStrike" cap="none" normalizeH="0" baseline="0" dirty="0">
+                <a:ln>
+                  <a:noFill/>
+                </a:ln>
+                <a:effectLst/>
+                <a:latin typeface="Arial Unicode MS"/>
+              </a:rPr>
+              <a:t>, </a:t>
+            </a:r>
+            <a:r>
+              <a:rPr kumimoji="0" lang="en-US" altLang="en-US" sz="1600" b="0" i="0" u="none" strike="noStrike" cap="none" normalizeH="0" baseline="0" dirty="0" err="1">
+                <a:ln>
+                  <a:noFill/>
+                </a:ln>
+                <a:effectLst/>
+                <a:latin typeface="Arial Unicode MS"/>
+              </a:rPr>
+              <a:t>pencairan</a:t>
+            </a:r>
+            <a:r>
+              <a:rPr kumimoji="0" lang="en-US" altLang="en-US" sz="1600" b="0" i="0" u="none" strike="noStrike" cap="none" normalizeH="0" baseline="0" dirty="0">
+                <a:ln>
+                  <a:noFill/>
+                </a:ln>
+                <a:effectLst/>
+                <a:latin typeface="Arial Unicode MS"/>
+              </a:rPr>
+              <a:t> yang </a:t>
+            </a:r>
+            <a:r>
+              <a:rPr kumimoji="0" lang="en-US" altLang="en-US" sz="1600" b="0" i="0" u="none" strike="noStrike" cap="none" normalizeH="0" baseline="0" dirty="0" err="1">
+                <a:ln>
+                  <a:noFill/>
+                </a:ln>
+                <a:effectLst/>
+                <a:latin typeface="Arial Unicode MS"/>
+              </a:rPr>
+              <a:t>disebabkan</a:t>
+            </a:r>
+            <a:r>
+              <a:rPr kumimoji="0" lang="en-US" altLang="en-US" sz="1600" b="0" i="0" u="none" strike="noStrike" cap="none" normalizeH="0" baseline="0" dirty="0">
+                <a:ln>
+                  <a:noFill/>
+                </a:ln>
+                <a:effectLst/>
+                <a:latin typeface="Arial Unicode MS"/>
+              </a:rPr>
+              <a:t> oleh </a:t>
+            </a:r>
+            <a:r>
+              <a:rPr kumimoji="0" lang="en-US" altLang="en-US" sz="1600" b="0" i="0" u="none" strike="noStrike" cap="none" normalizeH="0" baseline="0" dirty="0" err="1">
+                <a:ln>
+                  <a:noFill/>
+                </a:ln>
+                <a:effectLst/>
+                <a:latin typeface="Arial Unicode MS"/>
+              </a:rPr>
+              <a:t>lautan</a:t>
+            </a:r>
+            <a:r>
+              <a:rPr kumimoji="0" lang="en-US" altLang="en-US" sz="1600" b="0" i="0" u="none" strike="noStrike" cap="none" normalizeH="0" baseline="0" dirty="0">
+                <a:ln>
+                  <a:noFill/>
+                </a:ln>
+                <a:effectLst/>
+                <a:latin typeface="Arial Unicode MS"/>
+              </a:rPr>
+              <a:t> </a:t>
+            </a:r>
+            <a:r>
+              <a:rPr kumimoji="0" lang="en-US" altLang="en-US" sz="1600" b="0" i="0" u="none" strike="noStrike" cap="none" normalizeH="0" baseline="0" dirty="0" err="1">
+                <a:ln>
+                  <a:noFill/>
+                </a:ln>
+                <a:effectLst/>
+                <a:latin typeface="Arial Unicode MS"/>
+              </a:rPr>
+              <a:t>telah</a:t>
+            </a:r>
+            <a:r>
+              <a:rPr kumimoji="0" lang="en-US" altLang="en-US" sz="1600" b="0" i="0" u="none" strike="noStrike" cap="none" normalizeH="0" baseline="0" dirty="0">
+                <a:ln>
+                  <a:noFill/>
+                </a:ln>
+                <a:effectLst/>
+                <a:latin typeface="Arial Unicode MS"/>
+              </a:rPr>
+              <a:t> </a:t>
+            </a:r>
+            <a:r>
+              <a:rPr kumimoji="0" lang="en-US" altLang="en-US" sz="1600" b="0" i="0" u="none" strike="noStrike" cap="none" normalizeH="0" baseline="0" dirty="0" err="1">
+                <a:ln>
+                  <a:noFill/>
+                </a:ln>
+                <a:effectLst/>
+                <a:latin typeface="Arial Unicode MS"/>
+              </a:rPr>
+              <a:t>menyebabkan</a:t>
+            </a:r>
+            <a:r>
+              <a:rPr kumimoji="0" lang="en-US" altLang="en-US" sz="1600" b="0" i="0" u="none" strike="noStrike" cap="none" normalizeH="0" baseline="0" dirty="0">
+                <a:ln>
+                  <a:noFill/>
+                </a:ln>
+                <a:effectLst/>
+                <a:latin typeface="Arial Unicode MS"/>
+              </a:rPr>
+              <a:t> </a:t>
+            </a:r>
+            <a:r>
+              <a:rPr kumimoji="0" lang="en-US" altLang="en-US" sz="1600" b="0" i="0" u="none" strike="noStrike" cap="none" normalizeH="0" baseline="0" dirty="0" err="1">
+                <a:ln>
+                  <a:noFill/>
+                </a:ln>
+                <a:effectLst/>
+                <a:latin typeface="Arial Unicode MS"/>
+              </a:rPr>
+              <a:t>tingkat</a:t>
+            </a:r>
+            <a:r>
+              <a:rPr kumimoji="0" lang="en-US" altLang="en-US" sz="1600" b="0" i="0" u="none" strike="noStrike" cap="none" normalizeH="0" baseline="0" dirty="0">
+                <a:ln>
+                  <a:noFill/>
+                </a:ln>
+                <a:effectLst/>
+                <a:latin typeface="Arial Unicode MS"/>
+              </a:rPr>
+              <a:t> </a:t>
+            </a:r>
+            <a:r>
+              <a:rPr kumimoji="0" lang="en-US" altLang="en-US" sz="1600" b="0" i="0" u="none" strike="noStrike" cap="none" normalizeH="0" baseline="0" dirty="0" err="1">
+                <a:ln>
+                  <a:noFill/>
+                </a:ln>
+                <a:effectLst/>
+                <a:latin typeface="Arial Unicode MS"/>
+              </a:rPr>
+              <a:t>kehilangan</a:t>
+            </a:r>
+            <a:r>
+              <a:rPr kumimoji="0" lang="en-US" altLang="en-US" sz="1600" b="0" i="0" u="none" strike="noStrike" cap="none" normalizeH="0" baseline="0" dirty="0">
+                <a:ln>
+                  <a:noFill/>
+                </a:ln>
+                <a:effectLst/>
+                <a:latin typeface="Arial Unicode MS"/>
+              </a:rPr>
+              <a:t> es </a:t>
+            </a:r>
+            <a:r>
+              <a:rPr kumimoji="0" lang="en-US" altLang="en-US" sz="1600" b="0" i="0" u="none" strike="noStrike" cap="none" normalizeH="0" baseline="0" dirty="0" err="1">
+                <a:ln>
+                  <a:noFill/>
+                </a:ln>
+                <a:effectLst/>
+                <a:latin typeface="Arial Unicode MS"/>
+              </a:rPr>
+              <a:t>dari</a:t>
+            </a:r>
+            <a:r>
+              <a:rPr kumimoji="0" lang="en-US" altLang="en-US" sz="1600" b="0" i="0" u="none" strike="noStrike" cap="none" normalizeH="0" baseline="0" dirty="0">
+                <a:ln>
+                  <a:noFill/>
+                </a:ln>
+                <a:effectLst/>
+                <a:latin typeface="Arial Unicode MS"/>
+              </a:rPr>
+              <a:t> </a:t>
+            </a:r>
+            <a:r>
+              <a:rPr kumimoji="0" lang="en-US" altLang="en-US" sz="1600" b="0" i="0" u="none" strike="noStrike" cap="none" normalizeH="0" baseline="0" dirty="0" err="1">
+                <a:ln>
+                  <a:noFill/>
+                </a:ln>
+                <a:effectLst/>
+                <a:latin typeface="Arial Unicode MS"/>
+              </a:rPr>
+              <a:t>Antartika</a:t>
+            </a:r>
+            <a:r>
+              <a:rPr kumimoji="0" lang="en-US" altLang="en-US" sz="1600" b="0" i="0" u="none" strike="noStrike" cap="none" normalizeH="0" baseline="0" dirty="0">
+                <a:ln>
+                  <a:noFill/>
+                </a:ln>
+                <a:effectLst/>
+                <a:latin typeface="Arial Unicode MS"/>
+              </a:rPr>
+              <a:t> Barat </a:t>
+            </a:r>
+            <a:r>
+              <a:rPr kumimoji="0" lang="en-US" altLang="en-US" sz="1600" b="0" i="0" u="none" strike="noStrike" cap="none" normalizeH="0" baseline="0" dirty="0" err="1">
+                <a:ln>
+                  <a:noFill/>
+                </a:ln>
+                <a:effectLst/>
+                <a:latin typeface="Arial Unicode MS"/>
+              </a:rPr>
+              <a:t>meningkat</a:t>
+            </a:r>
+            <a:r>
+              <a:rPr kumimoji="0" lang="en-US" altLang="en-US" sz="1600" b="0" i="0" u="none" strike="noStrike" cap="none" normalizeH="0" baseline="0" dirty="0">
+                <a:ln>
+                  <a:noFill/>
+                </a:ln>
+                <a:effectLst/>
+                <a:latin typeface="Arial Unicode MS"/>
+              </a:rPr>
+              <a:t> </a:t>
+            </a:r>
+            <a:r>
+              <a:rPr kumimoji="0" lang="en-US" altLang="en-US" sz="1600" b="0" i="0" u="none" strike="noStrike" cap="none" normalizeH="0" baseline="0" dirty="0" err="1">
+                <a:ln>
+                  <a:noFill/>
+                </a:ln>
+                <a:effectLst/>
+                <a:latin typeface="Arial Unicode MS"/>
+              </a:rPr>
+              <a:t>dari</a:t>
+            </a:r>
+            <a:r>
+              <a:rPr kumimoji="0" lang="en-US" altLang="en-US" sz="1600" b="0" i="0" u="none" strike="noStrike" cap="none" normalizeH="0" baseline="0" dirty="0">
+                <a:ln>
+                  <a:noFill/>
+                </a:ln>
+                <a:effectLst/>
+                <a:latin typeface="Arial Unicode MS"/>
+              </a:rPr>
+              <a:t> 53 ± 29 </a:t>
+            </a:r>
+            <a:r>
+              <a:rPr kumimoji="0" lang="en-US" altLang="en-US" sz="1600" b="0" i="0" u="none" strike="noStrike" cap="none" normalizeH="0" baseline="0" dirty="0" err="1">
+                <a:ln>
+                  <a:noFill/>
+                </a:ln>
+                <a:effectLst/>
+                <a:latin typeface="Arial Unicode MS"/>
+              </a:rPr>
+              <a:t>miliar</a:t>
+            </a:r>
+            <a:r>
+              <a:rPr kumimoji="0" lang="en-US" altLang="en-US" sz="1600" b="0" i="0" u="none" strike="noStrike" cap="none" normalizeH="0" baseline="0" dirty="0">
+                <a:ln>
+                  <a:noFill/>
+                </a:ln>
+                <a:effectLst/>
+                <a:latin typeface="Arial Unicode MS"/>
+              </a:rPr>
+              <a:t> </a:t>
+            </a:r>
+            <a:r>
+              <a:rPr kumimoji="0" lang="en-US" altLang="en-US" sz="1600" b="0" i="0" u="none" strike="noStrike" cap="none" normalizeH="0" baseline="0" dirty="0" err="1">
+                <a:ln>
+                  <a:noFill/>
+                </a:ln>
+                <a:effectLst/>
+                <a:latin typeface="Arial Unicode MS"/>
+              </a:rPr>
+              <a:t>menjadi</a:t>
+            </a:r>
+            <a:r>
+              <a:rPr kumimoji="0" lang="en-US" altLang="en-US" sz="1600" b="0" i="0" u="none" strike="noStrike" cap="none" normalizeH="0" baseline="0" dirty="0">
+                <a:ln>
+                  <a:noFill/>
+                </a:ln>
+                <a:effectLst/>
+                <a:latin typeface="Arial Unicode MS"/>
+              </a:rPr>
+              <a:t> 159 ± 26 </a:t>
+            </a:r>
+            <a:r>
+              <a:rPr kumimoji="0" lang="en-US" altLang="en-US" sz="1600" b="0" i="0" u="none" strike="noStrike" cap="none" normalizeH="0" baseline="0" dirty="0" err="1">
+                <a:ln>
+                  <a:noFill/>
+                </a:ln>
+                <a:effectLst/>
+                <a:latin typeface="Arial Unicode MS"/>
+              </a:rPr>
+              <a:t>miliar</a:t>
+            </a:r>
+            <a:r>
+              <a:rPr kumimoji="0" lang="en-US" altLang="en-US" sz="1600" b="0" i="0" u="none" strike="noStrike" cap="none" normalizeH="0" baseline="0" dirty="0">
+                <a:ln>
+                  <a:noFill/>
+                </a:ln>
+                <a:effectLst/>
+                <a:latin typeface="Arial Unicode MS"/>
+              </a:rPr>
+              <a:t> ton per </a:t>
+            </a:r>
+            <a:r>
+              <a:rPr kumimoji="0" lang="en-US" altLang="en-US" sz="1600" b="0" i="0" u="none" strike="noStrike" cap="none" normalizeH="0" baseline="0" dirty="0" err="1">
+                <a:ln>
+                  <a:noFill/>
+                </a:ln>
+                <a:effectLst/>
+                <a:latin typeface="Arial Unicode MS"/>
+              </a:rPr>
+              <a:t>tahun</a:t>
+            </a:r>
+            <a:r>
+              <a:rPr kumimoji="0" lang="en-US" altLang="en-US" sz="1600" b="0" i="0" u="none" strike="noStrike" cap="none" normalizeH="0" baseline="0" dirty="0">
+                <a:ln>
+                  <a:noFill/>
+                </a:ln>
+                <a:effectLst/>
+                <a:latin typeface="Arial Unicode MS"/>
+              </a:rPr>
+              <a:t>; </a:t>
+            </a:r>
+            <a:r>
+              <a:rPr kumimoji="0" lang="en-US" altLang="en-US" sz="1600" b="0" i="0" u="none" strike="noStrike" cap="none" normalizeH="0" baseline="0" dirty="0" err="1">
+                <a:ln>
+                  <a:noFill/>
+                </a:ln>
+                <a:effectLst/>
+                <a:latin typeface="Arial Unicode MS"/>
+              </a:rPr>
+              <a:t>keruntuhan</a:t>
+            </a:r>
+            <a:r>
+              <a:rPr kumimoji="0" lang="en-US" altLang="en-US" sz="1600" b="0" i="0" u="none" strike="noStrike" cap="none" normalizeH="0" baseline="0" dirty="0">
+                <a:ln>
+                  <a:noFill/>
+                </a:ln>
+                <a:effectLst/>
+                <a:latin typeface="Arial Unicode MS"/>
+              </a:rPr>
+              <a:t> </a:t>
+            </a:r>
+            <a:r>
+              <a:rPr kumimoji="0" lang="en-US" altLang="en-US" sz="1600" b="0" i="0" u="none" strike="noStrike" cap="none" normalizeH="0" baseline="0" dirty="0" err="1">
+                <a:ln>
+                  <a:noFill/>
+                </a:ln>
+                <a:effectLst/>
+                <a:latin typeface="Arial Unicode MS"/>
+              </a:rPr>
+              <a:t>lapisan</a:t>
+            </a:r>
+            <a:r>
+              <a:rPr kumimoji="0" lang="en-US" altLang="en-US" sz="1600" b="0" i="0" u="none" strike="noStrike" cap="none" normalizeH="0" baseline="0" dirty="0">
+                <a:ln>
+                  <a:noFill/>
+                </a:ln>
+                <a:effectLst/>
+                <a:latin typeface="Arial Unicode MS"/>
+              </a:rPr>
+              <a:t> es </a:t>
+            </a:r>
+            <a:r>
+              <a:rPr kumimoji="0" lang="en-US" altLang="en-US" sz="1600" b="0" i="0" u="none" strike="noStrike" cap="none" normalizeH="0" baseline="0" dirty="0" err="1">
+                <a:ln>
+                  <a:noFill/>
+                </a:ln>
+                <a:effectLst/>
+                <a:latin typeface="Arial Unicode MS"/>
+              </a:rPr>
+              <a:t>telah</a:t>
+            </a:r>
+            <a:r>
+              <a:rPr kumimoji="0" lang="en-US" altLang="en-US" sz="1600" b="0" i="0" u="none" strike="noStrike" cap="none" normalizeH="0" baseline="0" dirty="0">
+                <a:ln>
+                  <a:noFill/>
+                </a:ln>
+                <a:effectLst/>
+                <a:latin typeface="Arial Unicode MS"/>
+              </a:rPr>
+              <a:t> </a:t>
+            </a:r>
+            <a:r>
+              <a:rPr kumimoji="0" lang="en-US" altLang="en-US" sz="1600" b="0" i="0" u="none" strike="noStrike" cap="none" normalizeH="0" baseline="0" dirty="0" err="1">
+                <a:ln>
+                  <a:noFill/>
+                </a:ln>
+                <a:effectLst/>
+                <a:latin typeface="Arial Unicode MS"/>
+              </a:rPr>
+              <a:t>meningkatkan</a:t>
+            </a:r>
+            <a:r>
+              <a:rPr kumimoji="0" lang="en-US" altLang="en-US" sz="1600" b="0" i="0" u="none" strike="noStrike" cap="none" normalizeH="0" baseline="0" dirty="0">
+                <a:ln>
+                  <a:noFill/>
+                </a:ln>
+                <a:effectLst/>
+                <a:latin typeface="Arial Unicode MS"/>
+              </a:rPr>
+              <a:t> </a:t>
+            </a:r>
+            <a:r>
+              <a:rPr kumimoji="0" lang="en-US" altLang="en-US" sz="1600" b="0" i="0" u="none" strike="noStrike" cap="none" normalizeH="0" baseline="0" dirty="0" err="1">
+                <a:ln>
+                  <a:noFill/>
+                </a:ln>
+                <a:effectLst/>
+                <a:latin typeface="Arial Unicode MS"/>
+              </a:rPr>
+              <a:t>tingkat</a:t>
+            </a:r>
+            <a:r>
+              <a:rPr kumimoji="0" lang="en-US" altLang="en-US" sz="1600" b="0" i="0" u="none" strike="noStrike" cap="none" normalizeH="0" baseline="0" dirty="0">
+                <a:ln>
+                  <a:noFill/>
+                </a:ln>
+                <a:effectLst/>
+                <a:latin typeface="Arial Unicode MS"/>
+              </a:rPr>
+              <a:t> </a:t>
+            </a:r>
+            <a:r>
+              <a:rPr kumimoji="0" lang="en-US" altLang="en-US" sz="1600" b="0" i="0" u="none" strike="noStrike" cap="none" normalizeH="0" baseline="0" dirty="0" err="1">
+                <a:ln>
+                  <a:noFill/>
+                </a:ln>
+                <a:effectLst/>
+                <a:latin typeface="Arial Unicode MS"/>
+              </a:rPr>
+              <a:t>kehilangan</a:t>
+            </a:r>
+            <a:r>
+              <a:rPr kumimoji="0" lang="en-US" altLang="en-US" sz="1600" b="0" i="0" u="none" strike="noStrike" cap="none" normalizeH="0" baseline="0" dirty="0">
+                <a:ln>
+                  <a:noFill/>
+                </a:ln>
+                <a:effectLst/>
+                <a:latin typeface="Arial Unicode MS"/>
+              </a:rPr>
+              <a:t> es </a:t>
+            </a:r>
+            <a:r>
+              <a:rPr kumimoji="0" lang="en-US" altLang="en-US" sz="1600" b="0" i="0" u="none" strike="noStrike" cap="none" normalizeH="0" baseline="0" dirty="0" err="1">
+                <a:ln>
+                  <a:noFill/>
+                </a:ln>
+                <a:effectLst/>
+                <a:latin typeface="Arial Unicode MS"/>
+              </a:rPr>
+              <a:t>dari</a:t>
+            </a:r>
+            <a:r>
+              <a:rPr kumimoji="0" lang="en-US" altLang="en-US" sz="1600" b="0" i="0" u="none" strike="noStrike" cap="none" normalizeH="0" baseline="0" dirty="0">
+                <a:ln>
+                  <a:noFill/>
+                </a:ln>
+                <a:effectLst/>
+                <a:latin typeface="Arial Unicode MS"/>
+              </a:rPr>
+              <a:t> </a:t>
+            </a:r>
+            <a:r>
+              <a:rPr kumimoji="0" lang="en-US" altLang="en-US" sz="1600" b="0" i="0" u="none" strike="noStrike" cap="none" normalizeH="0" baseline="0" dirty="0" err="1">
+                <a:ln>
+                  <a:noFill/>
+                </a:ln>
+                <a:effectLst/>
+                <a:latin typeface="Arial Unicode MS"/>
+              </a:rPr>
+              <a:t>Semenanjung</a:t>
+            </a:r>
+            <a:r>
+              <a:rPr kumimoji="0" lang="en-US" altLang="en-US" sz="1600" b="0" i="0" u="none" strike="noStrike" cap="none" normalizeH="0" baseline="0" dirty="0">
+                <a:ln>
+                  <a:noFill/>
+                </a:ln>
+                <a:effectLst/>
+                <a:latin typeface="Arial Unicode MS"/>
+              </a:rPr>
+              <a:t> </a:t>
+            </a:r>
+            <a:r>
+              <a:rPr kumimoji="0" lang="en-US" altLang="en-US" sz="1600" b="0" i="0" u="none" strike="noStrike" cap="none" normalizeH="0" baseline="0" dirty="0" err="1">
+                <a:ln>
+                  <a:noFill/>
+                </a:ln>
+                <a:effectLst/>
+                <a:latin typeface="Arial Unicode MS"/>
+              </a:rPr>
+              <a:t>Antartika</a:t>
+            </a:r>
+            <a:r>
+              <a:rPr kumimoji="0" lang="en-US" altLang="en-US" sz="1600" b="0" i="0" u="none" strike="noStrike" cap="none" normalizeH="0" baseline="0" dirty="0">
+                <a:ln>
+                  <a:noFill/>
+                </a:ln>
+                <a:effectLst/>
+                <a:latin typeface="Arial Unicode MS"/>
+              </a:rPr>
+              <a:t> </a:t>
+            </a:r>
+            <a:r>
+              <a:rPr kumimoji="0" lang="en-US" altLang="en-US" sz="1600" b="0" i="0" u="none" strike="noStrike" cap="none" normalizeH="0" baseline="0" dirty="0" err="1">
+                <a:ln>
+                  <a:noFill/>
+                </a:ln>
+                <a:effectLst/>
+                <a:latin typeface="Arial Unicode MS"/>
+              </a:rPr>
+              <a:t>dari</a:t>
+            </a:r>
+            <a:r>
+              <a:rPr kumimoji="0" lang="en-US" altLang="en-US" sz="1600" b="0" i="0" u="none" strike="noStrike" cap="none" normalizeH="0" baseline="0" dirty="0">
+                <a:ln>
+                  <a:noFill/>
+                </a:ln>
+                <a:effectLst/>
+                <a:latin typeface="Arial Unicode MS"/>
+              </a:rPr>
+              <a:t> 7 ± 13 </a:t>
+            </a:r>
+            <a:r>
+              <a:rPr kumimoji="0" lang="en-US" altLang="en-US" sz="1600" b="0" i="0" u="none" strike="noStrike" cap="none" normalizeH="0" baseline="0" dirty="0" err="1">
+                <a:ln>
+                  <a:noFill/>
+                </a:ln>
+                <a:effectLst/>
+                <a:latin typeface="Arial Unicode MS"/>
+              </a:rPr>
+              <a:t>miliar</a:t>
+            </a:r>
+            <a:r>
+              <a:rPr kumimoji="0" lang="en-US" altLang="en-US" sz="1600" b="0" i="0" u="none" strike="noStrike" cap="none" normalizeH="0" baseline="0" dirty="0">
+                <a:ln>
+                  <a:noFill/>
+                </a:ln>
+                <a:effectLst/>
+                <a:latin typeface="Arial Unicode MS"/>
+              </a:rPr>
+              <a:t> </a:t>
+            </a:r>
+            <a:r>
+              <a:rPr kumimoji="0" lang="en-US" altLang="en-US" sz="1600" b="0" i="0" u="none" strike="noStrike" cap="none" normalizeH="0" baseline="0" dirty="0" err="1">
+                <a:ln>
+                  <a:noFill/>
+                </a:ln>
+                <a:effectLst/>
+                <a:latin typeface="Arial Unicode MS"/>
+              </a:rPr>
+              <a:t>menjadi</a:t>
+            </a:r>
+            <a:r>
+              <a:rPr kumimoji="0" lang="en-US" altLang="en-US" sz="1600" b="0" i="0" u="none" strike="noStrike" cap="none" normalizeH="0" baseline="0" dirty="0">
+                <a:ln>
+                  <a:noFill/>
+                </a:ln>
+                <a:effectLst/>
+                <a:latin typeface="Arial Unicode MS"/>
+              </a:rPr>
+              <a:t> 33 ± 16 </a:t>
+            </a:r>
+            <a:r>
+              <a:rPr kumimoji="0" lang="en-US" altLang="en-US" sz="1600" b="0" i="0" u="none" strike="noStrike" cap="none" normalizeH="0" baseline="0" dirty="0" err="1">
+                <a:ln>
+                  <a:noFill/>
+                </a:ln>
+                <a:effectLst/>
+                <a:latin typeface="Arial Unicode MS"/>
+              </a:rPr>
+              <a:t>miliar</a:t>
+            </a:r>
+            <a:r>
+              <a:rPr kumimoji="0" lang="en-US" altLang="en-US" sz="1600" b="0" i="0" u="none" strike="noStrike" cap="none" normalizeH="0" baseline="0" dirty="0">
+                <a:ln>
+                  <a:noFill/>
+                </a:ln>
+                <a:effectLst/>
+                <a:latin typeface="Arial Unicode MS"/>
+              </a:rPr>
+              <a:t> ton per </a:t>
+            </a:r>
+            <a:r>
+              <a:rPr kumimoji="0" lang="en-US" altLang="en-US" sz="1600" b="0" i="0" u="none" strike="noStrike" cap="none" normalizeH="0" baseline="0" dirty="0" err="1">
+                <a:ln>
+                  <a:noFill/>
+                </a:ln>
+                <a:effectLst/>
+                <a:latin typeface="Arial Unicode MS"/>
+              </a:rPr>
+              <a:t>tahun</a:t>
+            </a:r>
+            <a:r>
+              <a:rPr kumimoji="0" lang="en-US" altLang="en-US" sz="1600" b="0" i="0" u="none" strike="noStrike" cap="none" normalizeH="0" baseline="0" dirty="0">
+                <a:ln>
+                  <a:noFill/>
+                </a:ln>
+                <a:effectLst/>
+                <a:latin typeface="Arial Unicode MS"/>
+              </a:rPr>
+              <a:t>. Kami </a:t>
+            </a:r>
+            <a:r>
+              <a:rPr kumimoji="0" lang="en-US" altLang="en-US" sz="1600" b="0" i="0" u="none" strike="noStrike" cap="none" normalizeH="0" baseline="0" dirty="0" err="1">
+                <a:ln>
+                  <a:noFill/>
+                </a:ln>
+                <a:effectLst/>
+                <a:latin typeface="Arial Unicode MS"/>
+              </a:rPr>
+              <a:t>menemukan</a:t>
+            </a:r>
+            <a:r>
+              <a:rPr kumimoji="0" lang="en-US" altLang="en-US" sz="1600" b="0" i="0" u="none" strike="noStrike" cap="none" normalizeH="0" baseline="0" dirty="0">
+                <a:ln>
+                  <a:noFill/>
+                </a:ln>
+                <a:effectLst/>
+                <a:latin typeface="Arial Unicode MS"/>
+              </a:rPr>
+              <a:t> </a:t>
+            </a:r>
+            <a:r>
+              <a:rPr kumimoji="0" lang="en-US" altLang="en-US" sz="1600" b="0" i="0" u="none" strike="noStrike" cap="none" normalizeH="0" baseline="0" dirty="0" err="1">
+                <a:ln>
+                  <a:noFill/>
+                </a:ln>
+                <a:effectLst/>
+                <a:latin typeface="Arial Unicode MS"/>
+              </a:rPr>
+              <a:t>variasi</a:t>
+            </a:r>
+            <a:r>
+              <a:rPr kumimoji="0" lang="en-US" altLang="en-US" sz="1600" b="0" i="0" u="none" strike="noStrike" cap="none" normalizeH="0" baseline="0" dirty="0">
+                <a:ln>
+                  <a:noFill/>
+                </a:ln>
+                <a:effectLst/>
+                <a:latin typeface="Arial Unicode MS"/>
+              </a:rPr>
+              <a:t> </a:t>
+            </a:r>
+            <a:r>
+              <a:rPr kumimoji="0" lang="en-US" altLang="en-US" sz="1600" b="0" i="0" u="none" strike="noStrike" cap="none" normalizeH="0" baseline="0" dirty="0" err="1">
+                <a:ln>
+                  <a:noFill/>
+                </a:ln>
+                <a:effectLst/>
+                <a:latin typeface="Arial Unicode MS"/>
+              </a:rPr>
+              <a:t>besar</a:t>
+            </a:r>
+            <a:r>
+              <a:rPr kumimoji="0" lang="en-US" altLang="en-US" sz="1600" b="0" i="0" u="none" strike="noStrike" cap="none" normalizeH="0" baseline="0" dirty="0">
+                <a:ln>
+                  <a:noFill/>
+                </a:ln>
+                <a:effectLst/>
+                <a:latin typeface="Arial Unicode MS"/>
+              </a:rPr>
+              <a:t> </a:t>
+            </a:r>
+            <a:r>
+              <a:rPr kumimoji="0" lang="en-US" altLang="en-US" sz="1600" b="0" i="0" u="none" strike="noStrike" cap="none" normalizeH="0" baseline="0" dirty="0" err="1">
+                <a:ln>
+                  <a:noFill/>
+                </a:ln>
+                <a:effectLst/>
+                <a:latin typeface="Arial Unicode MS"/>
+              </a:rPr>
+              <a:t>dalam</a:t>
+            </a:r>
+            <a:r>
+              <a:rPr kumimoji="0" lang="en-US" altLang="en-US" sz="1600" b="0" i="0" u="none" strike="noStrike" cap="none" normalizeH="0" baseline="0" dirty="0">
+                <a:ln>
+                  <a:noFill/>
+                </a:ln>
+                <a:effectLst/>
+                <a:latin typeface="Arial Unicode MS"/>
+              </a:rPr>
+              <a:t> dan di </a:t>
+            </a:r>
+            <a:r>
+              <a:rPr kumimoji="0" lang="en-US" altLang="en-US" sz="1600" b="0" i="0" u="none" strike="noStrike" cap="none" normalizeH="0" baseline="0" dirty="0" err="1">
+                <a:ln>
+                  <a:noFill/>
+                </a:ln>
+                <a:effectLst/>
+                <a:latin typeface="Arial Unicode MS"/>
+              </a:rPr>
+              <a:t>antara</a:t>
+            </a:r>
+            <a:r>
+              <a:rPr kumimoji="0" lang="en-US" altLang="en-US" sz="1600" b="0" i="0" u="none" strike="noStrike" cap="none" normalizeH="0" baseline="0" dirty="0">
+                <a:ln>
+                  <a:noFill/>
+                </a:ln>
+                <a:effectLst/>
+                <a:latin typeface="Arial Unicode MS"/>
+              </a:rPr>
+              <a:t> </a:t>
+            </a:r>
+            <a:r>
+              <a:rPr kumimoji="0" lang="en-US" altLang="en-US" sz="1600" b="0" i="0" u="none" strike="noStrike" cap="none" normalizeH="0" baseline="0" dirty="0" err="1">
+                <a:ln>
+                  <a:noFill/>
+                </a:ln>
+                <a:effectLst/>
+                <a:latin typeface="Arial Unicode MS"/>
+              </a:rPr>
+              <a:t>perkiraan</a:t>
+            </a:r>
+            <a:r>
+              <a:rPr kumimoji="0" lang="en-US" altLang="en-US" sz="1600" b="0" i="0" u="none" strike="noStrike" cap="none" normalizeH="0" baseline="0" dirty="0">
+                <a:ln>
+                  <a:noFill/>
+                </a:ln>
+                <a:effectLst/>
+                <a:latin typeface="Arial Unicode MS"/>
+              </a:rPr>
+              <a:t> model </a:t>
+            </a:r>
+            <a:r>
+              <a:rPr kumimoji="0" lang="en-US" altLang="en-US" sz="1600" b="0" i="0" u="none" strike="noStrike" cap="none" normalizeH="0" baseline="0" dirty="0" err="1">
+                <a:ln>
+                  <a:noFill/>
+                </a:ln>
+                <a:effectLst/>
+                <a:latin typeface="Arial Unicode MS"/>
+              </a:rPr>
+              <a:t>keseimbangan</a:t>
+            </a:r>
+            <a:r>
+              <a:rPr kumimoji="0" lang="en-US" altLang="en-US" sz="1600" b="0" i="0" u="none" strike="noStrike" cap="none" normalizeH="0" baseline="0" dirty="0">
+                <a:ln>
+                  <a:noFill/>
+                </a:ln>
+                <a:effectLst/>
+                <a:latin typeface="Arial Unicode MS"/>
+              </a:rPr>
+              <a:t> </a:t>
+            </a:r>
+            <a:r>
+              <a:rPr kumimoji="0" lang="en-US" altLang="en-US" sz="1600" b="0" i="0" u="none" strike="noStrike" cap="none" normalizeH="0" baseline="0" dirty="0" err="1">
+                <a:ln>
+                  <a:noFill/>
+                </a:ln>
+                <a:effectLst/>
+                <a:latin typeface="Arial Unicode MS"/>
+              </a:rPr>
+              <a:t>massa</a:t>
+            </a:r>
+            <a:r>
+              <a:rPr kumimoji="0" lang="en-US" altLang="en-US" sz="1600" b="0" i="0" u="none" strike="noStrike" cap="none" normalizeH="0" baseline="0" dirty="0">
+                <a:ln>
+                  <a:noFill/>
+                </a:ln>
+                <a:effectLst/>
+                <a:latin typeface="Arial Unicode MS"/>
+              </a:rPr>
+              <a:t> </a:t>
+            </a:r>
+            <a:r>
+              <a:rPr kumimoji="0" lang="en-US" altLang="en-US" sz="1600" b="0" i="0" u="none" strike="noStrike" cap="none" normalizeH="0" baseline="0" dirty="0" err="1">
+                <a:ln>
+                  <a:noFill/>
+                </a:ln>
+                <a:effectLst/>
+                <a:latin typeface="Arial Unicode MS"/>
+              </a:rPr>
+              <a:t>permukaan</a:t>
+            </a:r>
+            <a:r>
+              <a:rPr kumimoji="0" lang="en-US" altLang="en-US" sz="1600" b="0" i="0" u="none" strike="noStrike" cap="none" normalizeH="0" baseline="0" dirty="0">
+                <a:ln>
+                  <a:noFill/>
+                </a:ln>
+                <a:effectLst/>
+                <a:latin typeface="Arial Unicode MS"/>
+              </a:rPr>
+              <a:t> dan </a:t>
+            </a:r>
+            <a:r>
+              <a:rPr kumimoji="0" lang="en-US" altLang="en-US" sz="1600" b="0" i="0" u="none" strike="noStrike" cap="none" normalizeH="0" baseline="0" dirty="0" err="1">
+                <a:ln>
+                  <a:noFill/>
+                </a:ln>
+                <a:effectLst/>
+                <a:latin typeface="Arial Unicode MS"/>
+              </a:rPr>
+              <a:t>penyesuaian</a:t>
+            </a:r>
+            <a:r>
+              <a:rPr kumimoji="0" lang="en-US" altLang="en-US" sz="1600" b="0" i="0" u="none" strike="noStrike" cap="none" normalizeH="0" baseline="0" dirty="0">
+                <a:ln>
+                  <a:noFill/>
+                </a:ln>
+                <a:effectLst/>
+                <a:latin typeface="Arial Unicode MS"/>
+              </a:rPr>
+              <a:t> </a:t>
+            </a:r>
+            <a:r>
+              <a:rPr kumimoji="0" lang="en-US" altLang="en-US" sz="1600" b="0" i="0" u="none" strike="noStrike" cap="none" normalizeH="0" baseline="0" dirty="0" err="1">
+                <a:ln>
+                  <a:noFill/>
+                </a:ln>
+                <a:effectLst/>
+                <a:latin typeface="Arial Unicode MS"/>
+              </a:rPr>
+              <a:t>isostatik</a:t>
+            </a:r>
+            <a:r>
+              <a:rPr kumimoji="0" lang="en-US" altLang="en-US" sz="1600" b="0" i="0" u="none" strike="noStrike" cap="none" normalizeH="0" baseline="0" dirty="0">
+                <a:ln>
+                  <a:noFill/>
+                </a:ln>
+                <a:effectLst/>
+                <a:latin typeface="Arial Unicode MS"/>
+              </a:rPr>
+              <a:t> </a:t>
+            </a:r>
+            <a:r>
+              <a:rPr kumimoji="0" lang="en-US" altLang="en-US" sz="1600" b="0" i="0" u="none" strike="noStrike" cap="none" normalizeH="0" baseline="0" dirty="0" err="1">
+                <a:ln>
+                  <a:noFill/>
+                </a:ln>
+                <a:effectLst/>
+                <a:latin typeface="Arial Unicode MS"/>
+              </a:rPr>
+              <a:t>glasial</a:t>
+            </a:r>
+            <a:r>
+              <a:rPr kumimoji="0" lang="en-US" altLang="en-US" sz="1600" b="0" i="0" u="none" strike="noStrike" cap="none" normalizeH="0" baseline="0" dirty="0">
+                <a:ln>
+                  <a:noFill/>
+                </a:ln>
+                <a:effectLst/>
+                <a:latin typeface="Arial Unicode MS"/>
+              </a:rPr>
+              <a:t> </a:t>
+            </a:r>
+            <a:r>
+              <a:rPr kumimoji="0" lang="en-US" altLang="en-US" sz="1600" b="0" i="0" u="none" strike="noStrike" cap="none" normalizeH="0" baseline="0" dirty="0" err="1">
+                <a:ln>
+                  <a:noFill/>
+                </a:ln>
+                <a:effectLst/>
+                <a:latin typeface="Arial Unicode MS"/>
+              </a:rPr>
+              <a:t>untuk</a:t>
+            </a:r>
+            <a:r>
+              <a:rPr kumimoji="0" lang="en-US" altLang="en-US" sz="1600" b="0" i="0" u="none" strike="noStrike" cap="none" normalizeH="0" baseline="0" dirty="0">
+                <a:ln>
+                  <a:noFill/>
+                </a:ln>
+                <a:effectLst/>
+                <a:latin typeface="Arial Unicode MS"/>
+              </a:rPr>
+              <a:t> </a:t>
+            </a:r>
+            <a:r>
+              <a:rPr kumimoji="0" lang="en-US" altLang="en-US" sz="1600" b="0" i="0" u="none" strike="noStrike" cap="none" normalizeH="0" baseline="0" dirty="0" err="1">
+                <a:ln>
+                  <a:noFill/>
+                </a:ln>
+                <a:effectLst/>
+                <a:latin typeface="Arial Unicode MS"/>
+              </a:rPr>
+              <a:t>Antartika</a:t>
+            </a:r>
+            <a:r>
+              <a:rPr kumimoji="0" lang="en-US" altLang="en-US" sz="1600" b="0" i="0" u="none" strike="noStrike" cap="none" normalizeH="0" baseline="0" dirty="0">
+                <a:ln>
+                  <a:noFill/>
+                </a:ln>
+                <a:effectLst/>
+                <a:latin typeface="Arial Unicode MS"/>
+              </a:rPr>
+              <a:t> Timur, </a:t>
+            </a:r>
+            <a:r>
+              <a:rPr kumimoji="0" lang="en-US" altLang="en-US" sz="1600" b="0" i="0" u="none" strike="noStrike" cap="none" normalizeH="0" baseline="0" dirty="0" err="1">
+                <a:ln>
+                  <a:noFill/>
+                </a:ln>
+                <a:effectLst/>
+                <a:latin typeface="Arial Unicode MS"/>
+              </a:rPr>
+              <a:t>dengan</a:t>
+            </a:r>
+            <a:r>
+              <a:rPr kumimoji="0" lang="en-US" altLang="en-US" sz="1600" b="0" i="0" u="none" strike="noStrike" cap="none" normalizeH="0" baseline="0" dirty="0">
+                <a:ln>
+                  <a:noFill/>
+                </a:ln>
+                <a:effectLst/>
+                <a:latin typeface="Arial Unicode MS"/>
+              </a:rPr>
+              <a:t> </a:t>
+            </a:r>
+            <a:r>
+              <a:rPr kumimoji="0" lang="en-US" altLang="en-US" sz="1600" b="0" i="0" u="none" strike="noStrike" cap="none" normalizeH="0" baseline="0" dirty="0" err="1">
+                <a:ln>
+                  <a:noFill/>
+                </a:ln>
+                <a:effectLst/>
+                <a:latin typeface="Arial Unicode MS"/>
+              </a:rPr>
+              <a:t>tingkat</a:t>
+            </a:r>
+            <a:r>
+              <a:rPr kumimoji="0" lang="en-US" altLang="en-US" sz="1600" b="0" i="0" u="none" strike="noStrike" cap="none" normalizeH="0" baseline="0" dirty="0">
+                <a:ln>
+                  <a:noFill/>
+                </a:ln>
+                <a:effectLst/>
+                <a:latin typeface="Arial Unicode MS"/>
+              </a:rPr>
+              <a:t> rata-rata </a:t>
+            </a:r>
+            <a:r>
+              <a:rPr kumimoji="0" lang="en-US" altLang="en-US" sz="1600" b="0" i="0" u="none" strike="noStrike" cap="none" normalizeH="0" baseline="0" dirty="0" err="1">
+                <a:ln>
+                  <a:noFill/>
+                </a:ln>
+                <a:effectLst/>
+                <a:latin typeface="Arial Unicode MS"/>
+              </a:rPr>
+              <a:t>kenaikan</a:t>
+            </a:r>
+            <a:r>
+              <a:rPr kumimoji="0" lang="en-US" altLang="en-US" sz="1600" b="0" i="0" u="none" strike="noStrike" cap="none" normalizeH="0" baseline="0" dirty="0">
+                <a:ln>
+                  <a:noFill/>
+                </a:ln>
+                <a:effectLst/>
+                <a:latin typeface="Arial Unicode MS"/>
+              </a:rPr>
+              <a:t> </a:t>
+            </a:r>
+            <a:r>
+              <a:rPr kumimoji="0" lang="en-US" altLang="en-US" sz="1600" b="0" i="0" u="none" strike="noStrike" cap="none" normalizeH="0" baseline="0" dirty="0" err="1">
+                <a:ln>
+                  <a:noFill/>
+                </a:ln>
+                <a:effectLst/>
+                <a:latin typeface="Arial Unicode MS"/>
+              </a:rPr>
+              <a:t>massa</a:t>
+            </a:r>
+            <a:r>
+              <a:rPr kumimoji="0" lang="en-US" altLang="en-US" sz="1600" b="0" i="0" u="none" strike="noStrike" cap="none" normalizeH="0" baseline="0" dirty="0">
+                <a:ln>
+                  <a:noFill/>
+                </a:ln>
+                <a:effectLst/>
+                <a:latin typeface="Arial Unicode MS"/>
+              </a:rPr>
+              <a:t> </a:t>
+            </a:r>
+            <a:r>
+              <a:rPr kumimoji="0" lang="en-US" altLang="en-US" sz="1600" b="0" i="0" u="none" strike="noStrike" cap="none" normalizeH="0" baseline="0" dirty="0" err="1">
+                <a:ln>
+                  <a:noFill/>
+                </a:ln>
+                <a:effectLst/>
+                <a:latin typeface="Arial Unicode MS"/>
+              </a:rPr>
+              <a:t>selama</a:t>
+            </a:r>
+            <a:r>
+              <a:rPr kumimoji="0" lang="en-US" altLang="en-US" sz="1600" b="0" i="0" u="none" strike="noStrike" cap="none" normalizeH="0" baseline="0" dirty="0">
+                <a:ln>
+                  <a:noFill/>
+                </a:ln>
+                <a:effectLst/>
+                <a:latin typeface="Arial Unicode MS"/>
+              </a:rPr>
+              <a:t> </a:t>
+            </a:r>
+            <a:r>
+              <a:rPr kumimoji="0" lang="en-US" altLang="en-US" sz="1600" b="0" i="0" u="none" strike="noStrike" cap="none" normalizeH="0" baseline="0" dirty="0" err="1">
+                <a:ln>
+                  <a:noFill/>
+                </a:ln>
+                <a:effectLst/>
+                <a:latin typeface="Arial Unicode MS"/>
+              </a:rPr>
+              <a:t>periode</a:t>
+            </a:r>
+            <a:r>
+              <a:rPr kumimoji="0" lang="en-US" altLang="en-US" sz="1600" b="0" i="0" u="none" strike="noStrike" cap="none" normalizeH="0" baseline="0" dirty="0">
+                <a:ln>
+                  <a:noFill/>
+                </a:ln>
+                <a:effectLst/>
+                <a:latin typeface="Arial Unicode MS"/>
+              </a:rPr>
+              <a:t> 1992-2017 (5 ± 46 </a:t>
+            </a:r>
+            <a:r>
+              <a:rPr kumimoji="0" lang="en-US" altLang="en-US" sz="1600" b="0" i="0" u="none" strike="noStrike" cap="none" normalizeH="0" baseline="0" dirty="0" err="1">
+                <a:ln>
+                  <a:noFill/>
+                </a:ln>
+                <a:effectLst/>
+                <a:latin typeface="Arial Unicode MS"/>
+              </a:rPr>
+              <a:t>miliar</a:t>
+            </a:r>
+            <a:r>
+              <a:rPr kumimoji="0" lang="en-US" altLang="en-US" sz="1600" b="0" i="0" u="none" strike="noStrike" cap="none" normalizeH="0" baseline="0" dirty="0">
+                <a:ln>
+                  <a:noFill/>
+                </a:ln>
+                <a:effectLst/>
+                <a:latin typeface="Arial Unicode MS"/>
+              </a:rPr>
+              <a:t> ton per </a:t>
+            </a:r>
+            <a:r>
+              <a:rPr kumimoji="0" lang="en-US" altLang="en-US" sz="1600" b="0" i="0" u="none" strike="noStrike" cap="none" normalizeH="0" baseline="0" dirty="0" err="1">
+                <a:ln>
+                  <a:noFill/>
+                </a:ln>
+                <a:effectLst/>
+                <a:latin typeface="Arial Unicode MS"/>
+              </a:rPr>
+              <a:t>tahun</a:t>
+            </a:r>
+            <a:r>
+              <a:rPr kumimoji="0" lang="en-US" altLang="en-US" sz="1600" b="0" i="0" u="none" strike="noStrike" cap="none" normalizeH="0" baseline="0" dirty="0">
+                <a:ln>
+                  <a:noFill/>
+                </a:ln>
+                <a:effectLst/>
+                <a:latin typeface="Arial Unicode MS"/>
+              </a:rPr>
+              <a:t>) </a:t>
+            </a:r>
+            <a:r>
+              <a:rPr kumimoji="0" lang="en-US" altLang="en-US" sz="1600" b="0" i="0" u="none" strike="noStrike" cap="none" normalizeH="0" baseline="0" dirty="0" err="1">
+                <a:ln>
+                  <a:noFill/>
+                </a:ln>
+                <a:effectLst/>
+                <a:latin typeface="Arial Unicode MS"/>
+              </a:rPr>
+              <a:t>menjadi</a:t>
+            </a:r>
+            <a:r>
+              <a:rPr kumimoji="0" lang="en-US" altLang="en-US" sz="1600" b="0" i="0" u="none" strike="noStrike" cap="none" normalizeH="0" baseline="0" dirty="0">
+                <a:ln>
+                  <a:noFill/>
+                </a:ln>
+                <a:effectLst/>
+                <a:latin typeface="Arial Unicode MS"/>
+              </a:rPr>
+              <a:t> yang paling </a:t>
+            </a:r>
+            <a:r>
+              <a:rPr kumimoji="0" lang="en-US" altLang="en-US" sz="1600" b="0" i="0" u="none" strike="noStrike" cap="none" normalizeH="0" baseline="0" dirty="0" err="1">
+                <a:ln>
+                  <a:noFill/>
+                </a:ln>
+                <a:effectLst/>
+                <a:latin typeface="Arial Unicode MS"/>
+              </a:rPr>
+              <a:t>tidak</a:t>
+            </a:r>
+            <a:r>
+              <a:rPr kumimoji="0" lang="en-US" altLang="en-US" sz="1600" b="0" i="0" u="none" strike="noStrike" cap="none" normalizeH="0" baseline="0" dirty="0">
+                <a:ln>
+                  <a:noFill/>
+                </a:ln>
+                <a:effectLst/>
+                <a:latin typeface="Arial Unicode MS"/>
+              </a:rPr>
+              <a:t> </a:t>
+            </a:r>
+            <a:r>
+              <a:rPr kumimoji="0" lang="en-US" altLang="en-US" sz="1600" b="0" i="0" u="none" strike="noStrike" cap="none" normalizeH="0" baseline="0" dirty="0" err="1">
+                <a:ln>
+                  <a:noFill/>
+                </a:ln>
+                <a:effectLst/>
+                <a:latin typeface="Arial Unicode MS"/>
+              </a:rPr>
+              <a:t>pasti</a:t>
+            </a:r>
+            <a:r>
+              <a:rPr kumimoji="0" lang="en-US" altLang="en-US" sz="1600" b="0" i="0" u="none" strike="noStrike" cap="none" normalizeH="0" baseline="0" dirty="0">
+                <a:ln>
+                  <a:noFill/>
+                </a:ln>
+                <a:effectLst/>
+                <a:latin typeface="Arial Unicode MS"/>
+              </a:rPr>
+              <a:t>.</a:t>
+            </a:r>
+            <a:endParaRPr kumimoji="0" lang="en-US" altLang="en-US" sz="1600" b="0" i="0" u="none" strike="noStrike" cap="none" normalizeH="0" baseline="0" dirty="0">
               <a:ln>
                 <a:noFill/>
               </a:ln>
@@ -18829,10 +21263,22 @@
           <a:lstStyle/>
           <a:p>
             <a:r>
-              <a:rPr lang="en-US" sz="4400"/>
-              <a:t>Prediksi menggunakan ARIMA</a:t>
-            </a:r>
-            <a:endParaRPr lang="en-ID" sz="4400"/>
+              <a:rPr lang="en-US" sz="4400" dirty="0" err="1"/>
+              <a:t>Prediksi</a:t>
+            </a:r>
+            <a:r>
+              <a:rPr lang="en-US" sz="4400" dirty="0"/>
+              <a:t> </a:t>
+            </a:r>
+            <a:r>
+              <a:rPr lang="en-US" sz="4400" dirty="0" err="1"/>
+              <a:t>menggunakan</a:t>
+            </a:r>
+            <a:r>
+              <a:rPr lang="en-US" sz="4400" dirty="0"/>
+              <a:t> ARIMA</a:t>
+            </a:r>
+            <a:endParaRPr lang="en-ID" sz="4400" dirty="0"/>
           </a:p>
         </p:txBody>
       </p:sp>
@@ -20478,12 +22924,8 @@
           <a:lstStyle/>
           <a:p>
             <a:r>
-              <a:rPr lang="en-US" dirty="0"/>
-              <a:t>Link </a:t>
-            </a:r>
-            <a:r>
-              <a:rPr lang="en-US" dirty="0" err="1"/>
-              <a:t>Github</a:t>
+              <a:rPr lang="en-US" dirty="0" err="1"/>
+              <a:t>Referensi</a:t>
             </a:r>
             <a:endParaRPr lang="en-ID" dirty="0"/>
           </a:p>
@@ -20491,10 +22933,10 @@
       </p:sp>
       <p:sp>
         <p:nvSpPr>
-          <p:cNvPr id="3" name="Content Placeholder 2">
+          <p:cNvPr id="4" name="Content Placeholder 2">
             <a:extLst>
               <a:ext uri="{FF2B5EF4-FFF2-40B4-BE49-F238E27FC236}">
-                <a16:creationId xmlns:a16="http://schemas.microsoft.com/office/drawing/2014/main" id="{4BD17FC8-ACBB-41FB-B9F7-8BFBED248D2E}"/>
+                <a16:creationId xmlns:a16="http://schemas.microsoft.com/office/drawing/2014/main" id="{6A774C7C-053C-4EC5-9631-27E0223F86CA}"/>
               </a:ext>
             </a:extLst>
           </p:cNvPr>
@@ -20505,12 +22947,76 @@
             <p:ph idx="1"/>
           </p:nvPr>
         </p:nvSpPr>
-        <p:spPr/>
+        <p:spPr>
+          <a:xfrm>
+            <a:off x="1116013" y="2478088"/>
+            <a:ext cx="10167937" cy="3694112"/>
+          </a:xfrm>
+        </p:spPr>
         <p:txBody>
-          <a:bodyPr/>
+          <a:bodyPr>
+            <a:normAutofit fontScale="62500" lnSpcReduction="20000"/>
+          </a:bodyPr>
           <a:lstStyle/>
           <a:p>
-            <a:endParaRPr lang="en-ID" dirty="0"/>
+            <a:r>
+              <a:rPr lang="en-ID" dirty="0"/>
+              <a:t>https://datatofish.com/export-dataframe-to-excel/</a:t>
+            </a:r>
+          </a:p>
+          <a:p>
+            <a:r>
+              <a:rPr lang="en-ID" dirty="0"/>
+              <a:t>https://levelup.gitconnected.com/pearson-coefficient-of-correlation-using-pandas-ca68ce678c04</a:t>
+            </a:r>
+          </a:p>
+          <a:p>
+            <a:r>
+              <a:rPr lang="en-ID" dirty="0"/>
+              <a:t>https://medium.com/analytics-vidhya/kendall-rank-correlation-python-19524cb0e9a0?</a:t>
+            </a:r>
+          </a:p>
+          <a:p>
+            <a:r>
+              <a:rPr lang="en-ID" dirty="0"/>
+              <a:t>https://towardsdatascience.com/kendall-rank-correlation-explained-dee01d99c535?</a:t>
+            </a:r>
+          </a:p>
+          <a:p>
+            <a:r>
+              <a:rPr lang="en-ID" dirty="0"/>
+              <a:t>https://www.statistikian.com/2012/07/pearson-dan-asumsi-klasik.html</a:t>
+            </a:r>
+          </a:p>
+          <a:p>
+            <a:r>
+              <a:rPr lang="en-ID" dirty="0" err="1"/>
+              <a:t>teriou</a:t>
+            </a:r>
+            <a:r>
+              <a:rPr lang="en-ID" dirty="0"/>
+              <a:t>, </a:t>
+            </a:r>
+            <a:r>
+              <a:rPr lang="en-ID" dirty="0" err="1"/>
+              <a:t>Dimitros</a:t>
+            </a:r>
+            <a:r>
+              <a:rPr lang="en-ID" dirty="0"/>
+              <a:t>; Hall, Stephen G. (2011). "ARIMA Models and the Box–Jenkins Methodology". Applied Econometrics (Second ed.). Palgrave MacMillan.</a:t>
+            </a:r>
+          </a:p>
+          <a:p>
+            <a:r>
+              <a:rPr lang="en-ID" dirty="0"/>
+              <a:t>https://www.hindawi.com/journals/amete/2019/5907673/</a:t>
+            </a:r>
+          </a:p>
+          <a:p>
+            <a:r>
+              <a:rPr lang="en-ID" dirty="0"/>
+              <a:t>http://www.globalcarbonatlas.org/en/CO2-emissions</a:t>
+            </a:r>
           </a:p>
         </p:txBody>
       </p:sp>
@@ -20563,7 +23069,7 @@
         <p:spPr/>
         <p:txBody>
           <a:bodyPr>
-            <a:normAutofit fontScale="90000"/>
+            <a:normAutofit/>
           </a:bodyPr>
           <a:lstStyle/>
           <a:p>
@@ -20577,112 +23083,9 @@
             </a:r>
             <a:r>
               <a:rPr lang="en-US" dirty="0"/>
-              <a:t>, Link Social Media, dan </a:t>
-            </a:r>
-            <a:r>
-              <a:rPr lang="en-US" dirty="0" err="1"/>
-              <a:t>Referensi</a:t>
+              <a:t> &amp; Link Social Media</a:t>
             </a:r>
             <a:endParaRPr lang="en-ID" dirty="0"/>
-          </a:p>
-        </p:txBody>
-      </p:sp>
-      <p:sp>
-        <p:nvSpPr>
-          <p:cNvPr id="3" name="Content Placeholder 2">
-            <a:extLst>
-              <a:ext uri="{FF2B5EF4-FFF2-40B4-BE49-F238E27FC236}">
-                <a16:creationId xmlns:a16="http://schemas.microsoft.com/office/drawing/2014/main" id="{9140A6DE-EA3A-4C9B-A3C5-1DAF63A54555}"/>
-              </a:ext>
-            </a:extLst>
-          </p:cNvPr>
-          <p:cNvSpPr>
-            <a:spLocks noGrp="1"/>
-          </p:cNvSpPr>
-          <p:nvPr>
-            <p:ph idx="1"/>
-          </p:nvPr>
-        </p:nvSpPr>
-        <p:spPr>
-          <a:xfrm>
-            <a:off x="1115567" y="4525762"/>
-            <a:ext cx="10789388" cy="2132490"/>
-          </a:xfrm>
-        </p:spPr>
-        <p:txBody>
-          <a:bodyPr>
-            <a:normAutofit fontScale="25000" lnSpcReduction="20000"/>
-          </a:bodyPr>
-          <a:lstStyle/>
-          <a:p>
-            <a:pPr marL="0" indent="0">
-              <a:buNone/>
-            </a:pPr>
-            <a:r>
-              <a:rPr lang="en-ID" dirty="0" err="1"/>
-              <a:t>Referensi</a:t>
-            </a:r>
-            <a:endParaRPr lang="en-ID" dirty="0"/>
-          </a:p>
-          <a:p>
-            <a:r>
-              <a:rPr lang="en-ID" dirty="0"/>
-              <a:t>https://datatofish.com/export-dataframe-to-excel/</a:t>
-            </a:r>
-          </a:p>
-          <a:p>
-            <a:r>
-              <a:rPr lang="en-ID" dirty="0"/>
-              <a:t>https://levelup.gitconnected.com/pearson-coefficient-of-correlation-using-pandas-ca68ce678c04</a:t>
-            </a:r>
-          </a:p>
-          <a:p>
-            <a:r>
-              <a:rPr lang="en-ID" dirty="0"/>
-              <a:t>https://medium.com/analytics-vidhya/kendall-rank-correlation-python-19524cb0e9a0?</a:t>
-            </a:r>
-          </a:p>
-          <a:p>
-            <a:r>
-              <a:rPr lang="en-ID" dirty="0"/>
-              <a:t>https://towardsdatascience.com/kendall-rank-correlation-explained-dee01d99c535?</a:t>
-            </a:r>
-          </a:p>
-          <a:p>
-            <a:r>
-              <a:rPr lang="en-ID" dirty="0"/>
-              <a:t>https://www.statistikian.com/2012/07/pearson-dan-asumsi-klasik.html</a:t>
-            </a:r>
-          </a:p>
-          <a:p>
-            <a:r>
-              <a:rPr lang="en-ID" dirty="0" err="1"/>
-              <a:t>teriou</a:t>
-            </a:r>
-            <a:r>
-              <a:rPr lang="en-ID" dirty="0"/>
-              <a:t>, </a:t>
-            </a:r>
-            <a:r>
-              <a:rPr lang="en-ID" dirty="0" err="1"/>
-              <a:t>Dimitros</a:t>
-            </a:r>
-            <a:r>
-              <a:rPr lang="en-ID" dirty="0"/>
-              <a:t>; Hall, Stephen G. (2011). "ARIMA Models and the Box–Jenkins Methodology". Applied Econometrics (Second ed.). Palgrave MacMillan.</a:t>
-            </a:r>
-          </a:p>
-          <a:p>
-            <a:r>
-              <a:rPr lang="en-ID" dirty="0"/>
-              <a:t>https://www.hindawi.com/journals/amete/2019/5907673/</a:t>
-            </a:r>
-          </a:p>
-          <a:p>
-            <a:r>
-              <a:rPr lang="en-ID" dirty="0"/>
-              <a:t>http://www.globalcarbonatlas.org/en/CO2-emissions</a:t>
-            </a:r>
           </a:p>
         </p:txBody>
       </p:sp>
@@ -20700,15 +23103,15 @@
         </p:nvSpPr>
         <p:spPr>
           <a:xfrm>
-            <a:off x="1115567" y="2475521"/>
-            <a:ext cx="6096000" cy="923330"/>
+            <a:off x="1115566" y="2475521"/>
+            <a:ext cx="9857233" cy="923330"/>
           </a:xfrm>
           <a:prstGeom prst="rect">
             <a:avLst/>
           </a:prstGeom>
         </p:spPr>
         <p:txBody>
-          <a:bodyPr>
+          <a:bodyPr wrap="square">
             <a:spAutoFit/>
           </a:bodyPr>
           <a:lstStyle/>
@@ -20718,61 +23121,28 @@
               <a:buChar char="•"/>
             </a:pPr>
             <a:r>
-              <a:rPr lang="en-ID" dirty="0"/>
-              <a:t>Link </a:t>
-            </a:r>
-            <a:r>
-              <a:rPr lang="en-ID" dirty="0" err="1"/>
-              <a:t>github</a:t>
+              <a:rPr lang="en-ID" dirty="0">
+                <a:hlinkClick r:id="rId2"/>
+              </a:rPr>
+              <a:t>https://github.com/salmanfarizi19/Probstok_Ice-melting-in-Antartica</a:t>
             </a:r>
             <a:endParaRPr lang="en-ID" dirty="0"/>
           </a:p>
-          <a:p>
-            <a:r>
-              <a:rPr lang="en-ID" dirty="0"/>
-              <a:t>https://github.com/salmanfarizi19/Probstok_Ice-melting-in-Antartica</a:t>
-            </a:r>
-          </a:p>
-        </p:txBody>
-      </p:sp>
-      <p:sp>
-        <p:nvSpPr>
-          <p:cNvPr id="6" name="TextBox 5">
-            <a:extLst>
-              <a:ext uri="{FF2B5EF4-FFF2-40B4-BE49-F238E27FC236}">
-                <a16:creationId xmlns:a16="http://schemas.microsoft.com/office/drawing/2014/main" id="{C36E79C4-DA04-4AE2-B2A5-73448E2A1B7F}"/>
-              </a:ext>
-            </a:extLst>
-          </p:cNvPr>
-          <p:cNvSpPr txBox="1"/>
-          <p:nvPr/>
-        </p:nvSpPr>
-        <p:spPr>
-          <a:xfrm>
-            <a:off x="1115567" y="3398851"/>
-            <a:ext cx="2305439" cy="646331"/>
-          </a:xfrm>
-          <a:prstGeom prst="rect">
-            <a:avLst/>
-          </a:prstGeom>
-          <a:noFill/>
-        </p:spPr>
-        <p:txBody>
-          <a:bodyPr wrap="none" rtlCol="0">
-            <a:spAutoFit/>
-          </a:bodyPr>
-          <a:lstStyle/>
           <a:p>
             <a:pPr marL="285750" indent="-285750">
               <a:buFont typeface="Arial" panose="020B0604020202020204" pitchFamily="34" charset="0"/>
               <a:buChar char="•"/>
             </a:pPr>
             <a:r>
-              <a:rPr lang="en-US" dirty="0"/>
-              <a:t>Link Social Media</a:t>
+              <a:rPr lang="en-ID" dirty="0"/>
+              <a:t>https://www.instagram.com/p/B6KaT9mn_6P/?utm_source=ig_web_copy_link</a:t>
             </a:r>
           </a:p>
           <a:p>
+            <a:pPr marL="285750" indent="-285750">
+              <a:buFont typeface="Arial" panose="020B0604020202020204" pitchFamily="34" charset="0"/>
+              <a:buChar char="•"/>
+            </a:pPr>
             <a:endParaRPr lang="en-ID" dirty="0"/>
           </a:p>
         </p:txBody>
